--- a/OtherStuff/DD final presentation 16_9.pptx
+++ b/OtherStuff/DD final presentation 16_9.pptx
@@ -20,13 +20,13 @@
     <p:sldId id="273" r:id="rId14"/>
     <p:sldId id="271" r:id="rId15"/>
     <p:sldId id="272" r:id="rId16"/>
-    <p:sldId id="258" r:id="rId17"/>
-    <p:sldId id="274" r:id="rId18"/>
-    <p:sldId id="275" r:id="rId19"/>
-    <p:sldId id="276" r:id="rId20"/>
-    <p:sldId id="277" r:id="rId21"/>
-    <p:sldId id="278" r:id="rId22"/>
-    <p:sldId id="279" r:id="rId23"/>
+    <p:sldId id="274" r:id="rId17"/>
+    <p:sldId id="275" r:id="rId18"/>
+    <p:sldId id="276" r:id="rId19"/>
+    <p:sldId id="277" r:id="rId20"/>
+    <p:sldId id="278" r:id="rId21"/>
+    <p:sldId id="279" r:id="rId22"/>
+    <p:sldId id="258" r:id="rId23"/>
     <p:sldId id="256" r:id="rId24"/>
     <p:sldId id="257" r:id="rId25"/>
   </p:sldIdLst>
@@ -4115,11 +4115,7 @@
             </a:r>
             <a:r>
               <a:rPr lang="it-IT" sz="1575" i="1" dirty="0"/>
-              <a:t>. </a:t>
-            </a:r>
-            <a:r>
-              <a:rPr lang="it-IT" sz="1575" i="1" dirty="0"/>
-              <a:t>852358</a:t>
+              <a:t>. 852358</a:t>
             </a:r>
             <a:r>
               <a:rPr lang="it-IT" sz="1575" i="1" dirty="0" smtClean="0"/>
@@ -6404,540 +6400,6 @@
             <p:ph type="title"/>
           </p:nvPr>
         </p:nvSpPr>
-        <p:spPr>
-          <a:xfrm>
-            <a:off x="457200" y="528066"/>
-            <a:ext cx="8229600" cy="747540"/>
-          </a:xfrm>
-        </p:spPr>
-        <p:txBody>
-          <a:bodyPr>
-            <a:normAutofit fontScale="90000"/>
-          </a:bodyPr>
-          <a:lstStyle/>
-          <a:p>
-            <a:pPr algn="ctr"/>
-            <a:r>
-              <a:rPr lang="it-IT" b="1" dirty="0" err="1" smtClean="0">
-                <a:latin typeface="Cambria" panose="02040503050406030204" pitchFamily="18" charset="0"/>
-              </a:rPr>
-              <a:t>Sequence</a:t>
-            </a:r>
-            <a:r>
-              <a:rPr lang="it-IT" b="1" dirty="0" smtClean="0">
-                <a:latin typeface="Cambria" panose="02040503050406030204" pitchFamily="18" charset="0"/>
-              </a:rPr>
-              <a:t> - </a:t>
-            </a:r>
-            <a:r>
-              <a:rPr lang="it-IT" b="1" dirty="0" err="1" smtClean="0">
-                <a:latin typeface="Cambria" panose="02040503050406030204" pitchFamily="18" charset="0"/>
-              </a:rPr>
-              <a:t>Reservation</a:t>
-            </a:r>
-            <a:endParaRPr lang="it-IT" b="1" dirty="0">
-              <a:latin typeface="Cambria" panose="02040503050406030204" pitchFamily="18" charset="0"/>
-            </a:endParaRPr>
-          </a:p>
-        </p:txBody>
-      </p:sp>
-      <p:sp>
-        <p:nvSpPr>
-          <p:cNvPr id="3" name="Segnaposto contenuto 2"/>
-          <p:cNvSpPr>
-            <a:spLocks noGrp="1"/>
-          </p:cNvSpPr>
-          <p:nvPr>
-            <p:ph idx="1"/>
-          </p:nvPr>
-        </p:nvSpPr>
-        <p:spPr>
-          <a:xfrm>
-            <a:off x="457200" y="1635646"/>
-            <a:ext cx="8229600" cy="2952328"/>
-          </a:xfrm>
-        </p:spPr>
-        <p:txBody>
-          <a:bodyPr>
-            <a:normAutofit/>
-          </a:bodyPr>
-          <a:lstStyle/>
-          <a:p>
-            <a:pPr marL="0" indent="0">
-              <a:buNone/>
-            </a:pPr>
-            <a:r>
-              <a:rPr lang="it-IT" sz="2400" dirty="0" err="1" smtClean="0">
-                <a:latin typeface="Cambria" panose="02040503050406030204" pitchFamily="18" charset="0"/>
-              </a:rPr>
-              <a:t>Now</a:t>
-            </a:r>
-            <a:r>
-              <a:rPr lang="it-IT" sz="2400" dirty="0" smtClean="0">
-                <a:latin typeface="Cambria" panose="02040503050406030204" pitchFamily="18" charset="0"/>
-              </a:rPr>
-              <a:t> </a:t>
-            </a:r>
-            <a:r>
-              <a:rPr lang="it-IT" sz="2400" dirty="0" err="1" smtClean="0">
-                <a:latin typeface="Cambria" panose="02040503050406030204" pitchFamily="18" charset="0"/>
-              </a:rPr>
-              <a:t>let’s</a:t>
-            </a:r>
-            <a:r>
-              <a:rPr lang="it-IT" sz="2400" dirty="0" smtClean="0">
-                <a:latin typeface="Cambria" panose="02040503050406030204" pitchFamily="18" charset="0"/>
-              </a:rPr>
-              <a:t> </a:t>
-            </a:r>
-            <a:r>
-              <a:rPr lang="it-IT" sz="2400" dirty="0" err="1" smtClean="0">
-                <a:latin typeface="Cambria" panose="02040503050406030204" pitchFamily="18" charset="0"/>
-              </a:rPr>
-              <a:t>have</a:t>
-            </a:r>
-            <a:r>
-              <a:rPr lang="it-IT" sz="2400" dirty="0" smtClean="0">
-                <a:latin typeface="Cambria" panose="02040503050406030204" pitchFamily="18" charset="0"/>
-              </a:rPr>
-              <a:t> a look to an </a:t>
-            </a:r>
-            <a:r>
-              <a:rPr lang="it-IT" sz="2400" dirty="0" err="1" smtClean="0">
-                <a:latin typeface="Cambria" panose="02040503050406030204" pitchFamily="18" charset="0"/>
-              </a:rPr>
-              <a:t>example</a:t>
-            </a:r>
-            <a:r>
-              <a:rPr lang="it-IT" sz="2400" dirty="0" smtClean="0">
-                <a:latin typeface="Cambria" panose="02040503050406030204" pitchFamily="18" charset="0"/>
-              </a:rPr>
-              <a:t> of </a:t>
-            </a:r>
-            <a:r>
-              <a:rPr lang="it-IT" sz="2400" dirty="0" err="1" smtClean="0">
-                <a:latin typeface="Cambria" panose="02040503050406030204" pitchFamily="18" charset="0"/>
-              </a:rPr>
-              <a:t>runtime</a:t>
-            </a:r>
-            <a:r>
-              <a:rPr lang="it-IT" sz="2400" dirty="0" smtClean="0">
-                <a:latin typeface="Cambria" panose="02040503050406030204" pitchFamily="18" charset="0"/>
-              </a:rPr>
-              <a:t> </a:t>
-            </a:r>
-            <a:r>
-              <a:rPr lang="it-IT" sz="2400" dirty="0" err="1" smtClean="0">
-                <a:latin typeface="Cambria" panose="02040503050406030204" pitchFamily="18" charset="0"/>
-              </a:rPr>
-              <a:t>behaviour</a:t>
-            </a:r>
-            <a:r>
-              <a:rPr lang="it-IT" sz="2400" dirty="0" smtClean="0">
-                <a:latin typeface="Cambria" panose="02040503050406030204" pitchFamily="18" charset="0"/>
-              </a:rPr>
-              <a:t> of the </a:t>
-            </a:r>
-            <a:r>
-              <a:rPr lang="it-IT" sz="2400" dirty="0" err="1" smtClean="0">
-                <a:latin typeface="Cambria" panose="02040503050406030204" pitchFamily="18" charset="0"/>
-              </a:rPr>
-              <a:t>system</a:t>
-            </a:r>
-            <a:r>
-              <a:rPr lang="it-IT" sz="2400" dirty="0" smtClean="0">
-                <a:latin typeface="Cambria" panose="02040503050406030204" pitchFamily="18" charset="0"/>
-              </a:rPr>
-              <a:t>.</a:t>
-            </a:r>
-          </a:p>
-          <a:p>
-            <a:pPr marL="0" indent="0">
-              <a:buNone/>
-            </a:pPr>
-            <a:endParaRPr lang="it-IT" sz="2400" dirty="0" smtClean="0">
-              <a:latin typeface="Cambria" panose="02040503050406030204" pitchFamily="18" charset="0"/>
-            </a:endParaRPr>
-          </a:p>
-          <a:p>
-            <a:pPr marL="0" indent="0">
-              <a:buNone/>
-            </a:pPr>
-            <a:r>
-              <a:rPr lang="it-IT" sz="2400" dirty="0" smtClean="0">
-                <a:latin typeface="Cambria" panose="02040503050406030204" pitchFamily="18" charset="0"/>
-              </a:rPr>
-              <a:t>The </a:t>
-            </a:r>
-            <a:r>
-              <a:rPr lang="it-IT" sz="2400" dirty="0" err="1" smtClean="0">
-                <a:latin typeface="Cambria" panose="02040503050406030204" pitchFamily="18" charset="0"/>
-              </a:rPr>
-              <a:t>context</a:t>
-            </a:r>
-            <a:r>
-              <a:rPr lang="it-IT" sz="2400" dirty="0" smtClean="0">
-                <a:latin typeface="Cambria" panose="02040503050406030204" pitchFamily="18" charset="0"/>
-              </a:rPr>
-              <a:t> </a:t>
-            </a:r>
-            <a:r>
-              <a:rPr lang="it-IT" sz="2400" dirty="0" err="1" smtClean="0">
-                <a:latin typeface="Cambria" panose="02040503050406030204" pitchFamily="18" charset="0"/>
-              </a:rPr>
-              <a:t>chosen</a:t>
-            </a:r>
-            <a:r>
-              <a:rPr lang="it-IT" sz="2400" dirty="0" smtClean="0">
-                <a:latin typeface="Cambria" panose="02040503050406030204" pitchFamily="18" charset="0"/>
-              </a:rPr>
-              <a:t> </a:t>
-            </a:r>
-            <a:r>
-              <a:rPr lang="it-IT" sz="2400" dirty="0" err="1" smtClean="0">
-                <a:latin typeface="Cambria" panose="02040503050406030204" pitchFamily="18" charset="0"/>
-              </a:rPr>
-              <a:t>is</a:t>
-            </a:r>
-            <a:r>
-              <a:rPr lang="it-IT" sz="2400" dirty="0" smtClean="0">
-                <a:latin typeface="Cambria" panose="02040503050406030204" pitchFamily="18" charset="0"/>
-              </a:rPr>
-              <a:t> a </a:t>
-            </a:r>
-            <a:r>
-              <a:rPr lang="it-IT" sz="2400" b="1" dirty="0" err="1" smtClean="0">
-                <a:latin typeface="Cambria" panose="02040503050406030204" pitchFamily="18" charset="0"/>
-              </a:rPr>
-              <a:t>successfull</a:t>
-            </a:r>
-            <a:r>
-              <a:rPr lang="it-IT" sz="2400" dirty="0" smtClean="0">
-                <a:latin typeface="Cambria" panose="02040503050406030204" pitchFamily="18" charset="0"/>
-              </a:rPr>
-              <a:t> </a:t>
-            </a:r>
-            <a:r>
-              <a:rPr lang="it-IT" sz="2400" b="1" dirty="0" smtClean="0">
-                <a:latin typeface="Cambria" panose="02040503050406030204" pitchFamily="18" charset="0"/>
-              </a:rPr>
-              <a:t>taxi</a:t>
-            </a:r>
-            <a:r>
-              <a:rPr lang="it-IT" sz="2400" dirty="0" smtClean="0">
-                <a:latin typeface="Cambria" panose="02040503050406030204" pitchFamily="18" charset="0"/>
-              </a:rPr>
-              <a:t> </a:t>
-            </a:r>
-            <a:r>
-              <a:rPr lang="it-IT" sz="2400" b="1" dirty="0" err="1" smtClean="0">
-                <a:latin typeface="Cambria" panose="02040503050406030204" pitchFamily="18" charset="0"/>
-              </a:rPr>
-              <a:t>reservation</a:t>
-            </a:r>
-            <a:r>
-              <a:rPr lang="it-IT" sz="2400" dirty="0" smtClean="0">
-                <a:latin typeface="Cambria" panose="02040503050406030204" pitchFamily="18" charset="0"/>
-              </a:rPr>
-              <a:t>, </a:t>
-            </a:r>
-            <a:r>
-              <a:rPr lang="it-IT" sz="2400" dirty="0" err="1" smtClean="0">
-                <a:latin typeface="Cambria" panose="02040503050406030204" pitchFamily="18" charset="0"/>
-              </a:rPr>
-              <a:t>which</a:t>
-            </a:r>
-            <a:r>
-              <a:rPr lang="it-IT" sz="2400" dirty="0" smtClean="0">
-                <a:latin typeface="Cambria" panose="02040503050406030204" pitchFamily="18" charset="0"/>
-              </a:rPr>
-              <a:t> </a:t>
-            </a:r>
-            <a:r>
-              <a:rPr lang="it-IT" sz="2400" dirty="0" err="1" smtClean="0">
-                <a:latin typeface="Cambria" panose="02040503050406030204" pitchFamily="18" charset="0"/>
-              </a:rPr>
-              <a:t>is</a:t>
-            </a:r>
-            <a:r>
-              <a:rPr lang="it-IT" sz="2400" dirty="0" smtClean="0">
-                <a:latin typeface="Cambria" panose="02040503050406030204" pitchFamily="18" charset="0"/>
-              </a:rPr>
-              <a:t> a </a:t>
-            </a:r>
-            <a:r>
-              <a:rPr lang="it-IT" sz="2400" dirty="0" err="1" smtClean="0">
-                <a:latin typeface="Cambria" panose="02040503050406030204" pitchFamily="18" charset="0"/>
-              </a:rPr>
-              <a:t>quite</a:t>
-            </a:r>
-            <a:r>
-              <a:rPr lang="it-IT" sz="2400" dirty="0" smtClean="0">
-                <a:latin typeface="Cambria" panose="02040503050406030204" pitchFamily="18" charset="0"/>
-              </a:rPr>
-              <a:t> </a:t>
-            </a:r>
-            <a:r>
-              <a:rPr lang="it-IT" sz="2400" dirty="0" err="1" smtClean="0">
-                <a:latin typeface="Cambria" panose="02040503050406030204" pitchFamily="18" charset="0"/>
-              </a:rPr>
-              <a:t>relevant</a:t>
-            </a:r>
-            <a:r>
-              <a:rPr lang="it-IT" sz="2400" dirty="0" smtClean="0">
-                <a:latin typeface="Cambria" panose="02040503050406030204" pitchFamily="18" charset="0"/>
-              </a:rPr>
-              <a:t> case and </a:t>
-            </a:r>
-            <a:r>
-              <a:rPr lang="it-IT" sz="2400" dirty="0" err="1" smtClean="0">
-                <a:latin typeface="Cambria" panose="02040503050406030204" pitchFamily="18" charset="0"/>
-              </a:rPr>
-              <a:t>involves</a:t>
-            </a:r>
-            <a:r>
-              <a:rPr lang="it-IT" sz="2400" dirty="0" smtClean="0">
-                <a:latin typeface="Cambria" panose="02040503050406030204" pitchFamily="18" charset="0"/>
-              </a:rPr>
-              <a:t> </a:t>
-            </a:r>
-            <a:r>
-              <a:rPr lang="it-IT" sz="2400" dirty="0" err="1" smtClean="0">
-                <a:latin typeface="Cambria" panose="02040503050406030204" pitchFamily="18" charset="0"/>
-              </a:rPr>
-              <a:t>almost</a:t>
-            </a:r>
-            <a:r>
-              <a:rPr lang="it-IT" sz="2400" dirty="0" smtClean="0">
-                <a:latin typeface="Cambria" panose="02040503050406030204" pitchFamily="18" charset="0"/>
-              </a:rPr>
-              <a:t> </a:t>
-            </a:r>
-            <a:r>
-              <a:rPr lang="it-IT" sz="2400" dirty="0" err="1" smtClean="0">
-                <a:latin typeface="Cambria" panose="02040503050406030204" pitchFamily="18" charset="0"/>
-              </a:rPr>
-              <a:t>all</a:t>
-            </a:r>
-            <a:r>
-              <a:rPr lang="it-IT" sz="2400" dirty="0" smtClean="0">
-                <a:latin typeface="Cambria" panose="02040503050406030204" pitchFamily="18" charset="0"/>
-              </a:rPr>
-              <a:t> the </a:t>
-            </a:r>
-            <a:r>
-              <a:rPr lang="it-IT" sz="2400" dirty="0" err="1" smtClean="0">
-                <a:latin typeface="Cambria" panose="02040503050406030204" pitchFamily="18" charset="0"/>
-              </a:rPr>
-              <a:t>components</a:t>
-            </a:r>
-            <a:r>
-              <a:rPr lang="it-IT" sz="2400" dirty="0" smtClean="0">
-                <a:latin typeface="Cambria" panose="02040503050406030204" pitchFamily="18" charset="0"/>
-              </a:rPr>
-              <a:t>.</a:t>
-            </a:r>
-            <a:endParaRPr lang="it-IT" sz="2400" dirty="0">
-              <a:latin typeface="Cambria" panose="02040503050406030204" pitchFamily="18" charset="0"/>
-            </a:endParaRPr>
-          </a:p>
-        </p:txBody>
-      </p:sp>
-    </p:spTree>
-    <p:extLst>
-      <p:ext uri="{BB962C8B-B14F-4D97-AF65-F5344CB8AC3E}">
-        <p14:creationId xmlns:p14="http://schemas.microsoft.com/office/powerpoint/2010/main" val="3086539563"/>
-      </p:ext>
-    </p:extLst>
-  </p:cSld>
-  <p:clrMapOvr>
-    <a:masterClrMapping/>
-  </p:clrMapOvr>
-  <p:timing>
-    <p:tnLst>
-      <p:par>
-        <p:cTn id="1" dur="indefinite" restart="never" nodeType="tmRoot">
-          <p:childTnLst>
-            <p:seq concurrent="1" nextAc="seek">
-              <p:cTn id="2" dur="indefinite" nodeType="mainSeq">
-                <p:childTnLst>
-                  <p:par>
-                    <p:cTn id="3" fill="hold">
-                      <p:stCondLst>
-                        <p:cond delay="indefinite"/>
-                      </p:stCondLst>
-                      <p:childTnLst>
-                        <p:par>
-                          <p:cTn id="4" fill="hold">
-                            <p:stCondLst>
-                              <p:cond delay="0"/>
-                            </p:stCondLst>
-                            <p:childTnLst>
-                              <p:par>
-                                <p:cTn id="5" presetID="10" presetClass="entr" presetSubtype="0" fill="hold" grpId="0" nodeType="clickEffect">
-                                  <p:stCondLst>
-                                    <p:cond delay="0"/>
-                                  </p:stCondLst>
-                                  <p:childTnLst>
-                                    <p:set>
-                                      <p:cBhvr>
-                                        <p:cTn id="6" dur="1" fill="hold">
-                                          <p:stCondLst>
-                                            <p:cond delay="0"/>
-                                          </p:stCondLst>
-                                        </p:cTn>
-                                        <p:tgtEl>
-                                          <p:spTgt spid="3">
-                                            <p:txEl>
-                                              <p:pRg st="0" end="0"/>
-                                            </p:txEl>
-                                          </p:spTgt>
-                                        </p:tgtEl>
-                                        <p:attrNameLst>
-                                          <p:attrName>style.visibility</p:attrName>
-                                        </p:attrNameLst>
-                                      </p:cBhvr>
-                                      <p:to>
-                                        <p:strVal val="visible"/>
-                                      </p:to>
-                                    </p:set>
-                                    <p:animEffect transition="in" filter="fade">
-                                      <p:cBhvr>
-                                        <p:cTn id="7" dur="500"/>
-                                        <p:tgtEl>
-                                          <p:spTgt spid="3">
-                                            <p:txEl>
-                                              <p:pRg st="0" end="0"/>
-                                            </p:txEl>
-                                          </p:spTgt>
-                                        </p:tgtEl>
-                                      </p:cBhvr>
-                                    </p:animEffect>
-                                  </p:childTnLst>
-                                </p:cTn>
-                              </p:par>
-                            </p:childTnLst>
-                          </p:cTn>
-                        </p:par>
-                      </p:childTnLst>
-                    </p:cTn>
-                  </p:par>
-                  <p:par>
-                    <p:cTn id="8" fill="hold">
-                      <p:stCondLst>
-                        <p:cond delay="indefinite"/>
-                      </p:stCondLst>
-                      <p:childTnLst>
-                        <p:par>
-                          <p:cTn id="9" fill="hold">
-                            <p:stCondLst>
-                              <p:cond delay="0"/>
-                            </p:stCondLst>
-                            <p:childTnLst>
-                              <p:par>
-                                <p:cTn id="10" presetID="10" presetClass="entr" presetSubtype="0" fill="hold" grpId="0" nodeType="clickEffect">
-                                  <p:stCondLst>
-                                    <p:cond delay="0"/>
-                                  </p:stCondLst>
-                                  <p:childTnLst>
-                                    <p:set>
-                                      <p:cBhvr>
-                                        <p:cTn id="11" dur="1" fill="hold">
-                                          <p:stCondLst>
-                                            <p:cond delay="0"/>
-                                          </p:stCondLst>
-                                        </p:cTn>
-                                        <p:tgtEl>
-                                          <p:spTgt spid="3">
-                                            <p:txEl>
-                                              <p:pRg st="2" end="2"/>
-                                            </p:txEl>
-                                          </p:spTgt>
-                                        </p:tgtEl>
-                                        <p:attrNameLst>
-                                          <p:attrName>style.visibility</p:attrName>
-                                        </p:attrNameLst>
-                                      </p:cBhvr>
-                                      <p:to>
-                                        <p:strVal val="visible"/>
-                                      </p:to>
-                                    </p:set>
-                                    <p:animEffect transition="in" filter="fade">
-                                      <p:cBhvr>
-                                        <p:cTn id="12" dur="500"/>
-                                        <p:tgtEl>
-                                          <p:spTgt spid="3">
-                                            <p:txEl>
-                                              <p:pRg st="2" end="2"/>
-                                            </p:txEl>
-                                          </p:spTgt>
-                                        </p:tgtEl>
-                                      </p:cBhvr>
-                                    </p:animEffect>
-                                  </p:childTnLst>
-                                </p:cTn>
-                              </p:par>
-                            </p:childTnLst>
-                          </p:cTn>
-                        </p:par>
-                      </p:childTnLst>
-                    </p:cTn>
-                  </p:par>
-                </p:childTnLst>
-              </p:cTn>
-              <p:prevCondLst>
-                <p:cond evt="onPrev" delay="0">
-                  <p:tgtEl>
-                    <p:sldTgt/>
-                  </p:tgtEl>
-                </p:cond>
-              </p:prevCondLst>
-              <p:nextCondLst>
-                <p:cond evt="onNext" delay="0">
-                  <p:tgtEl>
-                    <p:sldTgt/>
-                  </p:tgtEl>
-                </p:cond>
-              </p:nextCondLst>
-            </p:seq>
-          </p:childTnLst>
-        </p:cTn>
-      </p:par>
-    </p:tnLst>
-    <p:bldLst>
-      <p:bldP spid="3" grpId="0" build="p"/>
-    </p:bldLst>
-  </p:timing>
-</p:sld>
-</file>
-
-<file path=ppt/slides/slide17.xml><?xml version="1.0" encoding="utf-8"?>
-<p:sld xmlns:a="http://schemas.openxmlformats.org/drawingml/2006/main" xmlns:r="http://schemas.openxmlformats.org/officeDocument/2006/relationships" xmlns:p="http://schemas.openxmlformats.org/presentationml/2006/main">
-  <p:cSld>
-    <p:spTree>
-      <p:nvGrpSpPr>
-        <p:cNvPr id="1" name=""/>
-        <p:cNvGrpSpPr/>
-        <p:nvPr/>
-      </p:nvGrpSpPr>
-      <p:grpSpPr>
-        <a:xfrm>
-          <a:off x="0" y="0"/>
-          <a:ext cx="0" cy="0"/>
-          <a:chOff x="0" y="0"/>
-          <a:chExt cx="0" cy="0"/>
-        </a:xfrm>
-      </p:grpSpPr>
-      <p:sp>
-        <p:nvSpPr>
-          <p:cNvPr id="2" name="Titolo 1"/>
-          <p:cNvSpPr>
-            <a:spLocks noGrp="1"/>
-          </p:cNvSpPr>
-          <p:nvPr>
-            <p:ph type="title"/>
-          </p:nvPr>
-        </p:nvSpPr>
         <p:spPr/>
         <p:txBody>
           <a:bodyPr/>
@@ -7367,7 +6829,7 @@
 </p:sld>
 </file>
 
-<file path=ppt/slides/slide18.xml><?xml version="1.0" encoding="utf-8"?>
+<file path=ppt/slides/slide17.xml><?xml version="1.0" encoding="utf-8"?>
 <p:sld xmlns:a="http://schemas.openxmlformats.org/drawingml/2006/main" xmlns:r="http://schemas.openxmlformats.org/officeDocument/2006/relationships" xmlns:p="http://schemas.openxmlformats.org/presentationml/2006/main">
   <p:cSld>
     <p:spTree>
@@ -8508,7 +7970,7 @@
 </p:sld>
 </file>
 
-<file path=ppt/slides/slide19.xml><?xml version="1.0" encoding="utf-8"?>
+<file path=ppt/slides/slide18.xml><?xml version="1.0" encoding="utf-8"?>
 <p:sld xmlns:a="http://schemas.openxmlformats.org/drawingml/2006/main" xmlns:r="http://schemas.openxmlformats.org/officeDocument/2006/relationships" xmlns:p="http://schemas.openxmlformats.org/presentationml/2006/main">
   <p:cSld>
     <p:spTree>
@@ -9612,6 +9074,1002 @@
                                           <p:spTgt spid="6">
                                             <p:txEl>
                                               <p:pRg st="7" end="7"/>
+                                            </p:txEl>
+                                          </p:spTgt>
+                                        </p:tgtEl>
+                                      </p:cBhvr>
+                                    </p:animEffect>
+                                  </p:childTnLst>
+                                </p:cTn>
+                              </p:par>
+                            </p:childTnLst>
+                          </p:cTn>
+                        </p:par>
+                      </p:childTnLst>
+                    </p:cTn>
+                  </p:par>
+                </p:childTnLst>
+              </p:cTn>
+              <p:prevCondLst>
+                <p:cond evt="onPrev" delay="0">
+                  <p:tgtEl>
+                    <p:sldTgt/>
+                  </p:tgtEl>
+                </p:cond>
+              </p:prevCondLst>
+              <p:nextCondLst>
+                <p:cond evt="onNext" delay="0">
+                  <p:tgtEl>
+                    <p:sldTgt/>
+                  </p:tgtEl>
+                </p:cond>
+              </p:nextCondLst>
+            </p:seq>
+          </p:childTnLst>
+        </p:cTn>
+      </p:par>
+    </p:tnLst>
+    <p:bldLst>
+      <p:bldP spid="3" grpId="0" build="p"/>
+      <p:bldP spid="5" grpId="0" build="p"/>
+      <p:bldP spid="4" grpId="0" build="p"/>
+      <p:bldP spid="6" grpId="0" build="p"/>
+    </p:bldLst>
+  </p:timing>
+</p:sld>
+</file>
+
+<file path=ppt/slides/slide19.xml><?xml version="1.0" encoding="utf-8"?>
+<p:sld xmlns:a="http://schemas.openxmlformats.org/drawingml/2006/main" xmlns:r="http://schemas.openxmlformats.org/officeDocument/2006/relationships" xmlns:p="http://schemas.openxmlformats.org/presentationml/2006/main">
+  <p:cSld>
+    <p:spTree>
+      <p:nvGrpSpPr>
+        <p:cNvPr id="1" name=""/>
+        <p:cNvGrpSpPr/>
+        <p:nvPr/>
+      </p:nvGrpSpPr>
+      <p:grpSpPr>
+        <a:xfrm>
+          <a:off x="0" y="0"/>
+          <a:ext cx="0" cy="0"/>
+          <a:chOff x="0" y="0"/>
+          <a:chExt cx="0" cy="0"/>
+        </a:xfrm>
+      </p:grpSpPr>
+      <p:sp>
+        <p:nvSpPr>
+          <p:cNvPr id="2" name="Titolo 1"/>
+          <p:cNvSpPr>
+            <a:spLocks noGrp="1"/>
+          </p:cNvSpPr>
+          <p:nvPr>
+            <p:ph type="title"/>
+          </p:nvPr>
+        </p:nvSpPr>
+        <p:spPr/>
+        <p:txBody>
+          <a:bodyPr/>
+          <a:lstStyle/>
+          <a:p>
+            <a:pPr algn="ctr"/>
+            <a:r>
+              <a:rPr lang="it-IT" b="1" dirty="0" err="1" smtClean="0">
+                <a:latin typeface="Cambria" panose="02040503050406030204" pitchFamily="18" charset="0"/>
+              </a:rPr>
+              <a:t>Users</a:t>
+            </a:r>
+            <a:r>
+              <a:rPr lang="it-IT" b="1" dirty="0" smtClean="0">
+                <a:latin typeface="Cambria" panose="02040503050406030204" pitchFamily="18" charset="0"/>
+              </a:rPr>
+              <a:t> Manager</a:t>
+            </a:r>
+            <a:endParaRPr lang="it-IT" b="1" dirty="0">
+              <a:latin typeface="Cambria" panose="02040503050406030204" pitchFamily="18" charset="0"/>
+            </a:endParaRPr>
+          </a:p>
+        </p:txBody>
+      </p:sp>
+      <p:sp>
+        <p:nvSpPr>
+          <p:cNvPr id="3" name="Segnaposto testo 2"/>
+          <p:cNvSpPr>
+            <a:spLocks noGrp="1"/>
+          </p:cNvSpPr>
+          <p:nvPr>
+            <p:ph type="body" idx="1"/>
+          </p:nvPr>
+        </p:nvSpPr>
+        <p:spPr/>
+        <p:txBody>
+          <a:bodyPr/>
+          <a:lstStyle/>
+          <a:p>
+            <a:pPr algn="ctr"/>
+            <a:r>
+              <a:rPr lang="it-IT" dirty="0" err="1" smtClean="0">
+                <a:latin typeface="Cambria" panose="02040503050406030204" pitchFamily="18" charset="0"/>
+              </a:rPr>
+              <a:t>What</a:t>
+            </a:r>
+            <a:r>
+              <a:rPr lang="it-IT" dirty="0" smtClean="0">
+                <a:latin typeface="Cambria" panose="02040503050406030204" pitchFamily="18" charset="0"/>
+              </a:rPr>
+              <a:t> </a:t>
+            </a:r>
+            <a:r>
+              <a:rPr lang="it-IT" dirty="0" err="1" smtClean="0">
+                <a:latin typeface="Cambria" panose="02040503050406030204" pitchFamily="18" charset="0"/>
+              </a:rPr>
+              <a:t>it</a:t>
+            </a:r>
+            <a:r>
+              <a:rPr lang="it-IT" dirty="0" smtClean="0">
+                <a:latin typeface="Cambria" panose="02040503050406030204" pitchFamily="18" charset="0"/>
+              </a:rPr>
+              <a:t> </a:t>
+            </a:r>
+            <a:r>
+              <a:rPr lang="it-IT" dirty="0" err="1" smtClean="0">
+                <a:latin typeface="Cambria" panose="02040503050406030204" pitchFamily="18" charset="0"/>
+              </a:rPr>
+              <a:t>offers</a:t>
+            </a:r>
+            <a:endParaRPr lang="it-IT" dirty="0">
+              <a:latin typeface="Cambria" panose="02040503050406030204" pitchFamily="18" charset="0"/>
+            </a:endParaRPr>
+          </a:p>
+        </p:txBody>
+      </p:sp>
+      <p:sp>
+        <p:nvSpPr>
+          <p:cNvPr id="5" name="Segnaposto testo 4"/>
+          <p:cNvSpPr>
+            <a:spLocks noGrp="1"/>
+          </p:cNvSpPr>
+          <p:nvPr>
+            <p:ph type="body" sz="half" idx="3"/>
+          </p:nvPr>
+        </p:nvSpPr>
+        <p:spPr/>
+        <p:txBody>
+          <a:bodyPr/>
+          <a:lstStyle/>
+          <a:p>
+            <a:pPr algn="ctr"/>
+            <a:r>
+              <a:rPr lang="it-IT" dirty="0" err="1" smtClean="0">
+                <a:latin typeface="Cambria" panose="02040503050406030204" pitchFamily="18" charset="0"/>
+              </a:rPr>
+              <a:t>What</a:t>
+            </a:r>
+            <a:r>
+              <a:rPr lang="it-IT" dirty="0" smtClean="0">
+                <a:latin typeface="Cambria" panose="02040503050406030204" pitchFamily="18" charset="0"/>
+              </a:rPr>
+              <a:t> </a:t>
+            </a:r>
+            <a:r>
+              <a:rPr lang="it-IT" dirty="0" err="1" smtClean="0">
+                <a:latin typeface="Cambria" panose="02040503050406030204" pitchFamily="18" charset="0"/>
+              </a:rPr>
+              <a:t>it</a:t>
+            </a:r>
+            <a:r>
+              <a:rPr lang="it-IT" dirty="0" smtClean="0">
+                <a:latin typeface="Cambria" panose="02040503050406030204" pitchFamily="18" charset="0"/>
+              </a:rPr>
+              <a:t> </a:t>
+            </a:r>
+            <a:r>
+              <a:rPr lang="it-IT" dirty="0" err="1" smtClean="0">
+                <a:latin typeface="Cambria" panose="02040503050406030204" pitchFamily="18" charset="0"/>
+              </a:rPr>
+              <a:t>needs</a:t>
+            </a:r>
+            <a:endParaRPr lang="it-IT" dirty="0">
+              <a:latin typeface="Cambria" panose="02040503050406030204" pitchFamily="18" charset="0"/>
+            </a:endParaRPr>
+          </a:p>
+        </p:txBody>
+      </p:sp>
+      <p:sp>
+        <p:nvSpPr>
+          <p:cNvPr id="4" name="Segnaposto contenuto 3"/>
+          <p:cNvSpPr>
+            <a:spLocks noGrp="1"/>
+          </p:cNvSpPr>
+          <p:nvPr>
+            <p:ph sz="quarter" idx="2"/>
+          </p:nvPr>
+        </p:nvSpPr>
+        <p:spPr/>
+        <p:txBody>
+          <a:bodyPr>
+            <a:normAutofit fontScale="92500"/>
+          </a:bodyPr>
+          <a:lstStyle/>
+          <a:p>
+            <a:endParaRPr lang="it-IT" dirty="0"/>
+          </a:p>
+          <a:p>
+            <a:r>
+              <a:rPr lang="en-US" sz="1800" dirty="0">
+                <a:latin typeface="Cambria" panose="02040503050406030204" pitchFamily="18" charset="0"/>
+              </a:rPr>
+              <a:t>C</a:t>
+            </a:r>
+            <a:r>
+              <a:rPr lang="en-US" sz="1800" dirty="0" smtClean="0">
+                <a:latin typeface="Cambria" panose="02040503050406030204" pitchFamily="18" charset="0"/>
+              </a:rPr>
+              <a:t>reation </a:t>
+            </a:r>
+            <a:r>
+              <a:rPr lang="en-US" sz="1800" dirty="0">
+                <a:latin typeface="Cambria" panose="02040503050406030204" pitchFamily="18" charset="0"/>
+              </a:rPr>
+              <a:t>and deletion of users. </a:t>
+            </a:r>
+            <a:endParaRPr lang="en-US" sz="1800" dirty="0" smtClean="0">
+              <a:latin typeface="Cambria" panose="02040503050406030204" pitchFamily="18" charset="0"/>
+            </a:endParaRPr>
+          </a:p>
+          <a:p>
+            <a:endParaRPr lang="en-US" sz="1800" dirty="0">
+              <a:latin typeface="Cambria" panose="02040503050406030204" pitchFamily="18" charset="0"/>
+            </a:endParaRPr>
+          </a:p>
+          <a:p>
+            <a:r>
+              <a:rPr lang="en-US" sz="1800" dirty="0">
+                <a:latin typeface="Cambria" panose="02040503050406030204" pitchFamily="18" charset="0"/>
+              </a:rPr>
+              <a:t>R</a:t>
+            </a:r>
+            <a:r>
+              <a:rPr lang="en-US" sz="1800" dirty="0" smtClean="0">
+                <a:latin typeface="Cambria" panose="02040503050406030204" pitchFamily="18" charset="0"/>
+              </a:rPr>
+              <a:t>etrieval </a:t>
+            </a:r>
+            <a:r>
+              <a:rPr lang="en-US" sz="1800" dirty="0">
+                <a:latin typeface="Cambria" panose="02040503050406030204" pitchFamily="18" charset="0"/>
+              </a:rPr>
+              <a:t>of users. </a:t>
+            </a:r>
+            <a:endParaRPr lang="en-US" sz="1800" dirty="0" smtClean="0">
+              <a:latin typeface="Cambria" panose="02040503050406030204" pitchFamily="18" charset="0"/>
+            </a:endParaRPr>
+          </a:p>
+          <a:p>
+            <a:endParaRPr lang="en-US" sz="1800" dirty="0">
+              <a:latin typeface="Cambria" panose="02040503050406030204" pitchFamily="18" charset="0"/>
+            </a:endParaRPr>
+          </a:p>
+          <a:p>
+            <a:r>
+              <a:rPr lang="en-US" sz="1800" dirty="0">
+                <a:latin typeface="Cambria" panose="02040503050406030204" pitchFamily="18" charset="0"/>
+              </a:rPr>
+              <a:t>V</a:t>
+            </a:r>
+            <a:r>
+              <a:rPr lang="en-US" sz="1800" dirty="0" smtClean="0">
+                <a:latin typeface="Cambria" panose="02040503050406030204" pitchFamily="18" charset="0"/>
+              </a:rPr>
+              <a:t>alidation </a:t>
+            </a:r>
+            <a:r>
+              <a:rPr lang="en-US" sz="1800" dirty="0">
+                <a:latin typeface="Cambria" panose="02040503050406030204" pitchFamily="18" charset="0"/>
+              </a:rPr>
+              <a:t>check in case of login and registration </a:t>
+            </a:r>
+            <a:endParaRPr lang="en-US" sz="1800" dirty="0" smtClean="0">
+              <a:latin typeface="Cambria" panose="02040503050406030204" pitchFamily="18" charset="0"/>
+            </a:endParaRPr>
+          </a:p>
+          <a:p>
+            <a:endParaRPr lang="en-US" sz="1800" dirty="0">
+              <a:latin typeface="Cambria" panose="02040503050406030204" pitchFamily="18" charset="0"/>
+            </a:endParaRPr>
+          </a:p>
+          <a:p>
+            <a:r>
+              <a:rPr lang="en-US" sz="1800" dirty="0">
+                <a:latin typeface="Cambria" panose="02040503050406030204" pitchFamily="18" charset="0"/>
+              </a:rPr>
+              <a:t>A</a:t>
+            </a:r>
+            <a:r>
+              <a:rPr lang="en-US" sz="1800" dirty="0" smtClean="0">
+                <a:latin typeface="Cambria" panose="02040503050406030204" pitchFamily="18" charset="0"/>
+              </a:rPr>
+              <a:t>vailability </a:t>
+            </a:r>
+            <a:r>
+              <a:rPr lang="en-US" sz="1800" dirty="0">
+                <a:latin typeface="Cambria" panose="02040503050406030204" pitchFamily="18" charset="0"/>
+              </a:rPr>
+              <a:t>setting in case of drivers. </a:t>
+            </a:r>
+          </a:p>
+          <a:p>
+            <a:endParaRPr lang="it-IT" dirty="0"/>
+          </a:p>
+        </p:txBody>
+      </p:sp>
+      <p:sp>
+        <p:nvSpPr>
+          <p:cNvPr id="6" name="Segnaposto contenuto 5"/>
+          <p:cNvSpPr>
+            <a:spLocks noGrp="1"/>
+          </p:cNvSpPr>
+          <p:nvPr>
+            <p:ph sz="quarter" idx="4"/>
+          </p:nvPr>
+        </p:nvSpPr>
+        <p:spPr/>
+        <p:txBody>
+          <a:bodyPr/>
+          <a:lstStyle/>
+          <a:p>
+            <a:endParaRPr lang="it-IT" dirty="0"/>
+          </a:p>
+          <a:p>
+            <a:endParaRPr lang="en-US" sz="1800" dirty="0" smtClean="0">
+              <a:latin typeface="Cambria" panose="02040503050406030204" pitchFamily="18" charset="0"/>
+            </a:endParaRPr>
+          </a:p>
+          <a:p>
+            <a:r>
+              <a:rPr lang="en-US" sz="1800" dirty="0" smtClean="0">
+                <a:latin typeface="Cambria" panose="02040503050406030204" pitchFamily="18" charset="0"/>
+              </a:rPr>
+              <a:t>Interfaces </a:t>
+            </a:r>
+            <a:r>
+              <a:rPr lang="en-US" sz="1800" dirty="0">
+                <a:latin typeface="Cambria" panose="02040503050406030204" pitchFamily="18" charset="0"/>
+              </a:rPr>
+              <a:t>for the communications of messages/notifications. </a:t>
+            </a:r>
+            <a:endParaRPr lang="en-US" sz="1800" dirty="0" smtClean="0">
+              <a:latin typeface="Cambria" panose="02040503050406030204" pitchFamily="18" charset="0"/>
+            </a:endParaRPr>
+          </a:p>
+          <a:p>
+            <a:endParaRPr lang="en-US" sz="1800" dirty="0">
+              <a:latin typeface="Cambria" panose="02040503050406030204" pitchFamily="18" charset="0"/>
+            </a:endParaRPr>
+          </a:p>
+          <a:p>
+            <a:endParaRPr lang="en-US" sz="1800" dirty="0">
+              <a:latin typeface="Cambria" panose="02040503050406030204" pitchFamily="18" charset="0"/>
+            </a:endParaRPr>
+          </a:p>
+          <a:p>
+            <a:r>
+              <a:rPr lang="en-US" sz="1800" dirty="0" smtClean="0">
+                <a:latin typeface="Cambria" panose="02040503050406030204" pitchFamily="18" charset="0"/>
+              </a:rPr>
+              <a:t>Interfaces </a:t>
+            </a:r>
+            <a:r>
+              <a:rPr lang="en-US" sz="1800" dirty="0">
+                <a:latin typeface="Cambria" panose="02040503050406030204" pitchFamily="18" charset="0"/>
+              </a:rPr>
+              <a:t>for the access to MTS database. </a:t>
+            </a:r>
+          </a:p>
+          <a:p>
+            <a:endParaRPr lang="it-IT" dirty="0"/>
+          </a:p>
+        </p:txBody>
+      </p:sp>
+    </p:spTree>
+    <p:extLst>
+      <p:ext uri="{BB962C8B-B14F-4D97-AF65-F5344CB8AC3E}">
+        <p14:creationId xmlns:p14="http://schemas.microsoft.com/office/powerpoint/2010/main" val="2942948490"/>
+      </p:ext>
+    </p:extLst>
+  </p:cSld>
+  <p:clrMapOvr>
+    <a:masterClrMapping/>
+  </p:clrMapOvr>
+  <p:timing>
+    <p:tnLst>
+      <p:par>
+        <p:cTn id="1" dur="indefinite" restart="never" nodeType="tmRoot">
+          <p:childTnLst>
+            <p:seq concurrent="1" nextAc="seek">
+              <p:cTn id="2" dur="indefinite" nodeType="mainSeq">
+                <p:childTnLst>
+                  <p:par>
+                    <p:cTn id="3" fill="hold">
+                      <p:stCondLst>
+                        <p:cond delay="indefinite"/>
+                      </p:stCondLst>
+                      <p:childTnLst>
+                        <p:par>
+                          <p:cTn id="4" fill="hold">
+                            <p:stCondLst>
+                              <p:cond delay="0"/>
+                            </p:stCondLst>
+                            <p:childTnLst>
+                              <p:par>
+                                <p:cTn id="5" presetID="42" presetClass="entr" presetSubtype="0" fill="hold" grpId="0" nodeType="clickEffect">
+                                  <p:stCondLst>
+                                    <p:cond delay="0"/>
+                                  </p:stCondLst>
+                                  <p:childTnLst>
+                                    <p:set>
+                                      <p:cBhvr>
+                                        <p:cTn id="6" dur="1" fill="hold">
+                                          <p:stCondLst>
+                                            <p:cond delay="0"/>
+                                          </p:stCondLst>
+                                        </p:cTn>
+                                        <p:tgtEl>
+                                          <p:spTgt spid="3">
+                                            <p:txEl>
+                                              <p:pRg st="0" end="0"/>
+                                            </p:txEl>
+                                          </p:spTgt>
+                                        </p:tgtEl>
+                                        <p:attrNameLst>
+                                          <p:attrName>style.visibility</p:attrName>
+                                        </p:attrNameLst>
+                                      </p:cBhvr>
+                                      <p:to>
+                                        <p:strVal val="visible"/>
+                                      </p:to>
+                                    </p:set>
+                                    <p:animEffect transition="in" filter="fade">
+                                      <p:cBhvr>
+                                        <p:cTn id="7" dur="1000"/>
+                                        <p:tgtEl>
+                                          <p:spTgt spid="3">
+                                            <p:txEl>
+                                              <p:pRg st="0" end="0"/>
+                                            </p:txEl>
+                                          </p:spTgt>
+                                        </p:tgtEl>
+                                      </p:cBhvr>
+                                    </p:animEffect>
+                                    <p:anim calcmode="lin" valueType="num">
+                                      <p:cBhvr>
+                                        <p:cTn id="8" dur="1000" fill="hold"/>
+                                        <p:tgtEl>
+                                          <p:spTgt spid="3">
+                                            <p:txEl>
+                                              <p:pRg st="0" end="0"/>
+                                            </p:txEl>
+                                          </p:spTgt>
+                                        </p:tgtEl>
+                                        <p:attrNameLst>
+                                          <p:attrName>ppt_x</p:attrName>
+                                        </p:attrNameLst>
+                                      </p:cBhvr>
+                                      <p:tavLst>
+                                        <p:tav tm="0">
+                                          <p:val>
+                                            <p:strVal val="#ppt_x"/>
+                                          </p:val>
+                                        </p:tav>
+                                        <p:tav tm="100000">
+                                          <p:val>
+                                            <p:strVal val="#ppt_x"/>
+                                          </p:val>
+                                        </p:tav>
+                                      </p:tavLst>
+                                    </p:anim>
+                                    <p:anim calcmode="lin" valueType="num">
+                                      <p:cBhvr>
+                                        <p:cTn id="9" dur="1000" fill="hold"/>
+                                        <p:tgtEl>
+                                          <p:spTgt spid="3">
+                                            <p:txEl>
+                                              <p:pRg st="0" end="0"/>
+                                            </p:txEl>
+                                          </p:spTgt>
+                                        </p:tgtEl>
+                                        <p:attrNameLst>
+                                          <p:attrName>ppt_y</p:attrName>
+                                        </p:attrNameLst>
+                                      </p:cBhvr>
+                                      <p:tavLst>
+                                        <p:tav tm="0">
+                                          <p:val>
+                                            <p:strVal val="#ppt_y+.1"/>
+                                          </p:val>
+                                        </p:tav>
+                                        <p:tav tm="100000">
+                                          <p:val>
+                                            <p:strVal val="#ppt_y"/>
+                                          </p:val>
+                                        </p:tav>
+                                      </p:tavLst>
+                                    </p:anim>
+                                  </p:childTnLst>
+                                </p:cTn>
+                              </p:par>
+                            </p:childTnLst>
+                          </p:cTn>
+                        </p:par>
+                      </p:childTnLst>
+                    </p:cTn>
+                  </p:par>
+                  <p:par>
+                    <p:cTn id="10" fill="hold">
+                      <p:stCondLst>
+                        <p:cond delay="indefinite"/>
+                      </p:stCondLst>
+                      <p:childTnLst>
+                        <p:par>
+                          <p:cTn id="11" fill="hold">
+                            <p:stCondLst>
+                              <p:cond delay="0"/>
+                            </p:stCondLst>
+                            <p:childTnLst>
+                              <p:par>
+                                <p:cTn id="12" presetID="10" presetClass="entr" presetSubtype="0" fill="hold" grpId="0" nodeType="clickEffect">
+                                  <p:stCondLst>
+                                    <p:cond delay="0"/>
+                                  </p:stCondLst>
+                                  <p:childTnLst>
+                                    <p:set>
+                                      <p:cBhvr>
+                                        <p:cTn id="13" dur="1" fill="hold">
+                                          <p:stCondLst>
+                                            <p:cond delay="0"/>
+                                          </p:stCondLst>
+                                        </p:cTn>
+                                        <p:tgtEl>
+                                          <p:spTgt spid="4">
+                                            <p:txEl>
+                                              <p:pRg st="1" end="1"/>
+                                            </p:txEl>
+                                          </p:spTgt>
+                                        </p:tgtEl>
+                                        <p:attrNameLst>
+                                          <p:attrName>style.visibility</p:attrName>
+                                        </p:attrNameLst>
+                                      </p:cBhvr>
+                                      <p:to>
+                                        <p:strVal val="visible"/>
+                                      </p:to>
+                                    </p:set>
+                                    <p:animEffect transition="in" filter="fade">
+                                      <p:cBhvr>
+                                        <p:cTn id="14" dur="500"/>
+                                        <p:tgtEl>
+                                          <p:spTgt spid="4">
+                                            <p:txEl>
+                                              <p:pRg st="1" end="1"/>
+                                            </p:txEl>
+                                          </p:spTgt>
+                                        </p:tgtEl>
+                                      </p:cBhvr>
+                                    </p:animEffect>
+                                  </p:childTnLst>
+                                </p:cTn>
+                              </p:par>
+                            </p:childTnLst>
+                          </p:cTn>
+                        </p:par>
+                      </p:childTnLst>
+                    </p:cTn>
+                  </p:par>
+                  <p:par>
+                    <p:cTn id="15" fill="hold">
+                      <p:stCondLst>
+                        <p:cond delay="indefinite"/>
+                      </p:stCondLst>
+                      <p:childTnLst>
+                        <p:par>
+                          <p:cTn id="16" fill="hold">
+                            <p:stCondLst>
+                              <p:cond delay="0"/>
+                            </p:stCondLst>
+                            <p:childTnLst>
+                              <p:par>
+                                <p:cTn id="17" presetID="10" presetClass="entr" presetSubtype="0" fill="hold" grpId="0" nodeType="clickEffect">
+                                  <p:stCondLst>
+                                    <p:cond delay="0"/>
+                                  </p:stCondLst>
+                                  <p:childTnLst>
+                                    <p:set>
+                                      <p:cBhvr>
+                                        <p:cTn id="18" dur="1" fill="hold">
+                                          <p:stCondLst>
+                                            <p:cond delay="0"/>
+                                          </p:stCondLst>
+                                        </p:cTn>
+                                        <p:tgtEl>
+                                          <p:spTgt spid="4">
+                                            <p:txEl>
+                                              <p:pRg st="3" end="3"/>
+                                            </p:txEl>
+                                          </p:spTgt>
+                                        </p:tgtEl>
+                                        <p:attrNameLst>
+                                          <p:attrName>style.visibility</p:attrName>
+                                        </p:attrNameLst>
+                                      </p:cBhvr>
+                                      <p:to>
+                                        <p:strVal val="visible"/>
+                                      </p:to>
+                                    </p:set>
+                                    <p:animEffect transition="in" filter="fade">
+                                      <p:cBhvr>
+                                        <p:cTn id="19" dur="500"/>
+                                        <p:tgtEl>
+                                          <p:spTgt spid="4">
+                                            <p:txEl>
+                                              <p:pRg st="3" end="3"/>
+                                            </p:txEl>
+                                          </p:spTgt>
+                                        </p:tgtEl>
+                                      </p:cBhvr>
+                                    </p:animEffect>
+                                  </p:childTnLst>
+                                </p:cTn>
+                              </p:par>
+                            </p:childTnLst>
+                          </p:cTn>
+                        </p:par>
+                      </p:childTnLst>
+                    </p:cTn>
+                  </p:par>
+                  <p:par>
+                    <p:cTn id="20" fill="hold">
+                      <p:stCondLst>
+                        <p:cond delay="indefinite"/>
+                      </p:stCondLst>
+                      <p:childTnLst>
+                        <p:par>
+                          <p:cTn id="21" fill="hold">
+                            <p:stCondLst>
+                              <p:cond delay="0"/>
+                            </p:stCondLst>
+                            <p:childTnLst>
+                              <p:par>
+                                <p:cTn id="22" presetID="10" presetClass="entr" presetSubtype="0" fill="hold" grpId="0" nodeType="clickEffect">
+                                  <p:stCondLst>
+                                    <p:cond delay="0"/>
+                                  </p:stCondLst>
+                                  <p:childTnLst>
+                                    <p:set>
+                                      <p:cBhvr>
+                                        <p:cTn id="23" dur="1" fill="hold">
+                                          <p:stCondLst>
+                                            <p:cond delay="0"/>
+                                          </p:stCondLst>
+                                        </p:cTn>
+                                        <p:tgtEl>
+                                          <p:spTgt spid="4">
+                                            <p:txEl>
+                                              <p:pRg st="5" end="5"/>
+                                            </p:txEl>
+                                          </p:spTgt>
+                                        </p:tgtEl>
+                                        <p:attrNameLst>
+                                          <p:attrName>style.visibility</p:attrName>
+                                        </p:attrNameLst>
+                                      </p:cBhvr>
+                                      <p:to>
+                                        <p:strVal val="visible"/>
+                                      </p:to>
+                                    </p:set>
+                                    <p:animEffect transition="in" filter="fade">
+                                      <p:cBhvr>
+                                        <p:cTn id="24" dur="500"/>
+                                        <p:tgtEl>
+                                          <p:spTgt spid="4">
+                                            <p:txEl>
+                                              <p:pRg st="5" end="5"/>
+                                            </p:txEl>
+                                          </p:spTgt>
+                                        </p:tgtEl>
+                                      </p:cBhvr>
+                                    </p:animEffect>
+                                  </p:childTnLst>
+                                </p:cTn>
+                              </p:par>
+                            </p:childTnLst>
+                          </p:cTn>
+                        </p:par>
+                      </p:childTnLst>
+                    </p:cTn>
+                  </p:par>
+                  <p:par>
+                    <p:cTn id="25" fill="hold">
+                      <p:stCondLst>
+                        <p:cond delay="indefinite"/>
+                      </p:stCondLst>
+                      <p:childTnLst>
+                        <p:par>
+                          <p:cTn id="26" fill="hold">
+                            <p:stCondLst>
+                              <p:cond delay="0"/>
+                            </p:stCondLst>
+                            <p:childTnLst>
+                              <p:par>
+                                <p:cTn id="27" presetID="10" presetClass="entr" presetSubtype="0" fill="hold" grpId="0" nodeType="clickEffect">
+                                  <p:stCondLst>
+                                    <p:cond delay="0"/>
+                                  </p:stCondLst>
+                                  <p:childTnLst>
+                                    <p:set>
+                                      <p:cBhvr>
+                                        <p:cTn id="28" dur="1" fill="hold">
+                                          <p:stCondLst>
+                                            <p:cond delay="0"/>
+                                          </p:stCondLst>
+                                        </p:cTn>
+                                        <p:tgtEl>
+                                          <p:spTgt spid="4">
+                                            <p:txEl>
+                                              <p:pRg st="7" end="7"/>
+                                            </p:txEl>
+                                          </p:spTgt>
+                                        </p:tgtEl>
+                                        <p:attrNameLst>
+                                          <p:attrName>style.visibility</p:attrName>
+                                        </p:attrNameLst>
+                                      </p:cBhvr>
+                                      <p:to>
+                                        <p:strVal val="visible"/>
+                                      </p:to>
+                                    </p:set>
+                                    <p:animEffect transition="in" filter="fade">
+                                      <p:cBhvr>
+                                        <p:cTn id="29" dur="500"/>
+                                        <p:tgtEl>
+                                          <p:spTgt spid="4">
+                                            <p:txEl>
+                                              <p:pRg st="7" end="7"/>
+                                            </p:txEl>
+                                          </p:spTgt>
+                                        </p:tgtEl>
+                                      </p:cBhvr>
+                                    </p:animEffect>
+                                  </p:childTnLst>
+                                </p:cTn>
+                              </p:par>
+                            </p:childTnLst>
+                          </p:cTn>
+                        </p:par>
+                      </p:childTnLst>
+                    </p:cTn>
+                  </p:par>
+                  <p:par>
+                    <p:cTn id="30" fill="hold">
+                      <p:stCondLst>
+                        <p:cond delay="indefinite"/>
+                      </p:stCondLst>
+                      <p:childTnLst>
+                        <p:par>
+                          <p:cTn id="31" fill="hold">
+                            <p:stCondLst>
+                              <p:cond delay="0"/>
+                            </p:stCondLst>
+                            <p:childTnLst>
+                              <p:par>
+                                <p:cTn id="32" presetID="42" presetClass="entr" presetSubtype="0" fill="hold" grpId="0" nodeType="clickEffect">
+                                  <p:stCondLst>
+                                    <p:cond delay="0"/>
+                                  </p:stCondLst>
+                                  <p:childTnLst>
+                                    <p:set>
+                                      <p:cBhvr>
+                                        <p:cTn id="33" dur="1" fill="hold">
+                                          <p:stCondLst>
+                                            <p:cond delay="0"/>
+                                          </p:stCondLst>
+                                        </p:cTn>
+                                        <p:tgtEl>
+                                          <p:spTgt spid="5">
+                                            <p:txEl>
+                                              <p:pRg st="0" end="0"/>
+                                            </p:txEl>
+                                          </p:spTgt>
+                                        </p:tgtEl>
+                                        <p:attrNameLst>
+                                          <p:attrName>style.visibility</p:attrName>
+                                        </p:attrNameLst>
+                                      </p:cBhvr>
+                                      <p:to>
+                                        <p:strVal val="visible"/>
+                                      </p:to>
+                                    </p:set>
+                                    <p:animEffect transition="in" filter="fade">
+                                      <p:cBhvr>
+                                        <p:cTn id="34" dur="1000"/>
+                                        <p:tgtEl>
+                                          <p:spTgt spid="5">
+                                            <p:txEl>
+                                              <p:pRg st="0" end="0"/>
+                                            </p:txEl>
+                                          </p:spTgt>
+                                        </p:tgtEl>
+                                      </p:cBhvr>
+                                    </p:animEffect>
+                                    <p:anim calcmode="lin" valueType="num">
+                                      <p:cBhvr>
+                                        <p:cTn id="35" dur="1000" fill="hold"/>
+                                        <p:tgtEl>
+                                          <p:spTgt spid="5">
+                                            <p:txEl>
+                                              <p:pRg st="0" end="0"/>
+                                            </p:txEl>
+                                          </p:spTgt>
+                                        </p:tgtEl>
+                                        <p:attrNameLst>
+                                          <p:attrName>ppt_x</p:attrName>
+                                        </p:attrNameLst>
+                                      </p:cBhvr>
+                                      <p:tavLst>
+                                        <p:tav tm="0">
+                                          <p:val>
+                                            <p:strVal val="#ppt_x"/>
+                                          </p:val>
+                                        </p:tav>
+                                        <p:tav tm="100000">
+                                          <p:val>
+                                            <p:strVal val="#ppt_x"/>
+                                          </p:val>
+                                        </p:tav>
+                                      </p:tavLst>
+                                    </p:anim>
+                                    <p:anim calcmode="lin" valueType="num">
+                                      <p:cBhvr>
+                                        <p:cTn id="36" dur="1000" fill="hold"/>
+                                        <p:tgtEl>
+                                          <p:spTgt spid="5">
+                                            <p:txEl>
+                                              <p:pRg st="0" end="0"/>
+                                            </p:txEl>
+                                          </p:spTgt>
+                                        </p:tgtEl>
+                                        <p:attrNameLst>
+                                          <p:attrName>ppt_y</p:attrName>
+                                        </p:attrNameLst>
+                                      </p:cBhvr>
+                                      <p:tavLst>
+                                        <p:tav tm="0">
+                                          <p:val>
+                                            <p:strVal val="#ppt_y+.1"/>
+                                          </p:val>
+                                        </p:tav>
+                                        <p:tav tm="100000">
+                                          <p:val>
+                                            <p:strVal val="#ppt_y"/>
+                                          </p:val>
+                                        </p:tav>
+                                      </p:tavLst>
+                                    </p:anim>
+                                  </p:childTnLst>
+                                </p:cTn>
+                              </p:par>
+                            </p:childTnLst>
+                          </p:cTn>
+                        </p:par>
+                      </p:childTnLst>
+                    </p:cTn>
+                  </p:par>
+                  <p:par>
+                    <p:cTn id="37" fill="hold">
+                      <p:stCondLst>
+                        <p:cond delay="indefinite"/>
+                      </p:stCondLst>
+                      <p:childTnLst>
+                        <p:par>
+                          <p:cTn id="38" fill="hold">
+                            <p:stCondLst>
+                              <p:cond delay="0"/>
+                            </p:stCondLst>
+                            <p:childTnLst>
+                              <p:par>
+                                <p:cTn id="39" presetID="10" presetClass="entr" presetSubtype="0" fill="hold" grpId="0" nodeType="clickEffect">
+                                  <p:stCondLst>
+                                    <p:cond delay="0"/>
+                                  </p:stCondLst>
+                                  <p:childTnLst>
+                                    <p:set>
+                                      <p:cBhvr>
+                                        <p:cTn id="40" dur="1" fill="hold">
+                                          <p:stCondLst>
+                                            <p:cond delay="0"/>
+                                          </p:stCondLst>
+                                        </p:cTn>
+                                        <p:tgtEl>
+                                          <p:spTgt spid="6">
+                                            <p:txEl>
+                                              <p:pRg st="2" end="2"/>
+                                            </p:txEl>
+                                          </p:spTgt>
+                                        </p:tgtEl>
+                                        <p:attrNameLst>
+                                          <p:attrName>style.visibility</p:attrName>
+                                        </p:attrNameLst>
+                                      </p:cBhvr>
+                                      <p:to>
+                                        <p:strVal val="visible"/>
+                                      </p:to>
+                                    </p:set>
+                                    <p:animEffect transition="in" filter="fade">
+                                      <p:cBhvr>
+                                        <p:cTn id="41" dur="500"/>
+                                        <p:tgtEl>
+                                          <p:spTgt spid="6">
+                                            <p:txEl>
+                                              <p:pRg st="2" end="2"/>
+                                            </p:txEl>
+                                          </p:spTgt>
+                                        </p:tgtEl>
+                                      </p:cBhvr>
+                                    </p:animEffect>
+                                  </p:childTnLst>
+                                </p:cTn>
+                              </p:par>
+                            </p:childTnLst>
+                          </p:cTn>
+                        </p:par>
+                      </p:childTnLst>
+                    </p:cTn>
+                  </p:par>
+                  <p:par>
+                    <p:cTn id="42" fill="hold">
+                      <p:stCondLst>
+                        <p:cond delay="indefinite"/>
+                      </p:stCondLst>
+                      <p:childTnLst>
+                        <p:par>
+                          <p:cTn id="43" fill="hold">
+                            <p:stCondLst>
+                              <p:cond delay="0"/>
+                            </p:stCondLst>
+                            <p:childTnLst>
+                              <p:par>
+                                <p:cTn id="44" presetID="10" presetClass="entr" presetSubtype="0" fill="hold" grpId="0" nodeType="clickEffect">
+                                  <p:stCondLst>
+                                    <p:cond delay="0"/>
+                                  </p:stCondLst>
+                                  <p:childTnLst>
+                                    <p:set>
+                                      <p:cBhvr>
+                                        <p:cTn id="45" dur="1" fill="hold">
+                                          <p:stCondLst>
+                                            <p:cond delay="0"/>
+                                          </p:stCondLst>
+                                        </p:cTn>
+                                        <p:tgtEl>
+                                          <p:spTgt spid="6">
+                                            <p:txEl>
+                                              <p:pRg st="5" end="5"/>
+                                            </p:txEl>
+                                          </p:spTgt>
+                                        </p:tgtEl>
+                                        <p:attrNameLst>
+                                          <p:attrName>style.visibility</p:attrName>
+                                        </p:attrNameLst>
+                                      </p:cBhvr>
+                                      <p:to>
+                                        <p:strVal val="visible"/>
+                                      </p:to>
+                                    </p:set>
+                                    <p:animEffect transition="in" filter="fade">
+                                      <p:cBhvr>
+                                        <p:cTn id="46" dur="500"/>
+                                        <p:tgtEl>
+                                          <p:spTgt spid="6">
+                                            <p:txEl>
+                                              <p:pRg st="5" end="5"/>
                                             </p:txEl>
                                           </p:spTgt>
                                         </p:tgtEl>
@@ -9748,11 +10206,7 @@
           <a:p>
             <a:r>
               <a:rPr lang="en-US" sz="1300" dirty="0"/>
-              <a:t>Different users communicating </a:t>
-            </a:r>
-            <a:r>
-              <a:rPr lang="en-US" sz="1300" dirty="0"/>
-              <a:t>over the internet with a single system</a:t>
+              <a:t>Different users communicating over the internet with a single system</a:t>
             </a:r>
           </a:p>
         </p:txBody>
@@ -9766,7 +10220,7 @@
         <p:spPr>
           <a:xfrm>
             <a:off x="628649" y="3717664"/>
-            <a:ext cx="2205991" cy="715581"/>
+            <a:ext cx="2205991" cy="692497"/>
           </a:xfrm>
           <a:prstGeom prst="rect">
             <a:avLst/>
@@ -9796,12 +10250,13 @@
           <a:p>
             <a:r>
               <a:rPr lang="en-US" sz="1300" dirty="0"/>
-              <a:t>The system must notify </a:t>
-            </a:r>
-            <a:r>
-              <a:rPr lang="en-US" sz="1300" dirty="0"/>
-              <a:t>multiple users of the occurring of some events</a:t>
-            </a:r>
+              <a:t>The system must notify multiple users </a:t>
+            </a:r>
+            <a:r>
+              <a:rPr lang="en-US" sz="1300" dirty="0" smtClean="0"/>
+              <a:t>when some events occur</a:t>
+            </a:r>
+            <a:endParaRPr lang="en-US" sz="1300" dirty="0"/>
           </a:p>
         </p:txBody>
       </p:sp>
@@ -9846,7 +10301,6 @@
               <a:rPr lang="en-US" sz="1300" dirty="0"/>
               <a:t>Users can use different platforms (mobile and web)</a:t>
             </a:r>
-            <a:endParaRPr lang="en-US" sz="1300" dirty="0"/>
           </a:p>
         </p:txBody>
       </p:sp>
@@ -9889,19 +10343,15 @@
           <a:p>
             <a:r>
               <a:rPr lang="en-US" sz="1300" dirty="0"/>
-              <a:t>The </a:t>
+              <a:t>The system </a:t>
+            </a:r>
+            <a:r>
+              <a:rPr lang="en-US" sz="1300" dirty="0" smtClean="0"/>
+              <a:t>accepts </a:t>
             </a:r>
             <a:r>
               <a:rPr lang="en-US" sz="1300" dirty="0"/>
-              <a:t>system </a:t>
-            </a:r>
-            <a:r>
-              <a:rPr lang="en-US" sz="1300" dirty="0"/>
-              <a:t>accept user’s requests </a:t>
-            </a:r>
-            <a:r>
-              <a:rPr lang="en-US" sz="1300" dirty="0"/>
-              <a:t>and elaborate an answer in a short time</a:t>
+              <a:t>user’s requests and elaborate an answer in a short time</a:t>
             </a:r>
           </a:p>
         </p:txBody>
@@ -10159,7 +10609,19 @@
               <a:rPr lang="en-US" sz="1650" dirty="0">
                 <a:latin typeface="Cambria" panose="02040503050406030204" pitchFamily="18" charset="0"/>
               </a:rPr>
-              <a:t>Event-based system with Publisher-Subscribe</a:t>
+              <a:t>Event-based </a:t>
+            </a:r>
+            <a:r>
+              <a:rPr lang="en-US" sz="1650" dirty="0" smtClean="0">
+                <a:latin typeface="Cambria" panose="02040503050406030204" pitchFamily="18" charset="0"/>
+              </a:rPr>
+              <a:t>architecture with </a:t>
+            </a:r>
+            <a:r>
+              <a:rPr lang="en-US" sz="1650" dirty="0">
+                <a:latin typeface="Cambria" panose="02040503050406030204" pitchFamily="18" charset="0"/>
+              </a:rPr>
+              <a:t>Publisher-Subscribe</a:t>
             </a:r>
           </a:p>
         </p:txBody>
@@ -10747,20 +11209,10 @@
           <a:p>
             <a:pPr algn="ctr"/>
             <a:r>
-              <a:rPr lang="it-IT" b="1" dirty="0" err="1" smtClean="0">
-                <a:latin typeface="Cambria" panose="02040503050406030204" pitchFamily="18" charset="0"/>
-              </a:rPr>
-              <a:t>Users</a:t>
-            </a:r>
-            <a:r>
-              <a:rPr lang="it-IT" b="1" dirty="0" smtClean="0">
-                <a:latin typeface="Cambria" panose="02040503050406030204" pitchFamily="18" charset="0"/>
-              </a:rPr>
-              <a:t> Manager</a:t>
-            </a:r>
-            <a:endParaRPr lang="it-IT" b="1" dirty="0">
-              <a:latin typeface="Cambria" panose="02040503050406030204" pitchFamily="18" charset="0"/>
-            </a:endParaRPr>
+              <a:rPr lang="it-IT" b="1" dirty="0" smtClean="0"/>
+              <a:t>Queue Manager</a:t>
+            </a:r>
+            <a:endParaRPr lang="it-IT" b="1" dirty="0"/>
           </a:p>
         </p:txBody>
       </p:sp>
@@ -10881,7 +11333,7 @@
         <p:spPr/>
         <p:txBody>
           <a:bodyPr>
-            <a:normAutofit fontScale="92500"/>
+            <a:normAutofit lnSpcReduction="10000"/>
           </a:bodyPr>
           <a:lstStyle/>
           <a:p>
@@ -10889,106 +11341,46 @@
           </a:p>
           <a:p>
             <a:r>
-              <a:rPr lang="en-US" sz="1800" dirty="0">
-                <a:latin typeface="Cambria" panose="02040503050406030204" pitchFamily="18" charset="0"/>
-              </a:rPr>
-              <a:t>C</a:t>
-            </a:r>
-            <a:r>
-              <a:rPr lang="en-US" sz="1800" dirty="0" smtClean="0">
-                <a:latin typeface="Cambria" panose="02040503050406030204" pitchFamily="18" charset="0"/>
-              </a:rPr>
-              <a:t>reation </a:t>
-            </a:r>
-            <a:r>
-              <a:rPr lang="en-US" sz="1800" dirty="0">
-                <a:latin typeface="Cambria" panose="02040503050406030204" pitchFamily="18" charset="0"/>
-              </a:rPr>
-              <a:t>and deletion of users. </a:t>
-            </a:r>
-            <a:endParaRPr lang="en-US" sz="1800" dirty="0" smtClean="0">
+              <a:rPr lang="en-US" sz="2000" dirty="0">
+                <a:latin typeface="Cambria" panose="02040503050406030204" pitchFamily="18" charset="0"/>
+              </a:rPr>
+              <a:t>T</a:t>
+            </a:r>
+            <a:r>
+              <a:rPr lang="en-US" sz="2000" dirty="0" smtClean="0">
+                <a:latin typeface="Cambria" panose="02040503050406030204" pitchFamily="18" charset="0"/>
+              </a:rPr>
+              <a:t>axi </a:t>
+            </a:r>
+            <a:r>
+              <a:rPr lang="en-US" sz="2000" dirty="0">
+                <a:latin typeface="Cambria" panose="02040503050406030204" pitchFamily="18" charset="0"/>
+              </a:rPr>
+              <a:t>retrieval and taxi removal from taxi queues. </a:t>
+            </a:r>
+          </a:p>
+          <a:p>
+            <a:endParaRPr lang="it-IT" sz="2000" dirty="0">
               <a:latin typeface="Cambria" panose="02040503050406030204" pitchFamily="18" charset="0"/>
             </a:endParaRPr>
           </a:p>
           <a:p>
-            <a:endParaRPr lang="en-US" sz="1800" dirty="0">
+            <a:endParaRPr lang="it-IT" sz="2000" dirty="0">
               <a:latin typeface="Cambria" panose="02040503050406030204" pitchFamily="18" charset="0"/>
             </a:endParaRPr>
           </a:p>
           <a:p>
             <a:r>
-              <a:rPr lang="en-US" sz="1800" dirty="0">
-                <a:latin typeface="Cambria" panose="02040503050406030204" pitchFamily="18" charset="0"/>
-              </a:rPr>
-              <a:t>R</a:t>
-            </a:r>
-            <a:r>
-              <a:rPr lang="en-US" sz="1800" dirty="0" smtClean="0">
-                <a:latin typeface="Cambria" panose="02040503050406030204" pitchFamily="18" charset="0"/>
-              </a:rPr>
-              <a:t>etrieval </a:t>
-            </a:r>
-            <a:r>
-              <a:rPr lang="en-US" sz="1800" dirty="0">
-                <a:latin typeface="Cambria" panose="02040503050406030204" pitchFamily="18" charset="0"/>
-              </a:rPr>
-              <a:t>of users. </a:t>
-            </a:r>
-            <a:endParaRPr lang="en-US" sz="1800" dirty="0" smtClean="0">
-              <a:latin typeface="Cambria" panose="02040503050406030204" pitchFamily="18" charset="0"/>
-            </a:endParaRPr>
-          </a:p>
-          <a:p>
-            <a:endParaRPr lang="en-US" sz="1800" dirty="0">
-              <a:latin typeface="Cambria" panose="02040503050406030204" pitchFamily="18" charset="0"/>
-            </a:endParaRPr>
-          </a:p>
-          <a:p>
-            <a:r>
-              <a:rPr lang="en-US" sz="1800" dirty="0">
-                <a:latin typeface="Cambria" panose="02040503050406030204" pitchFamily="18" charset="0"/>
-              </a:rPr>
-              <a:t>V</a:t>
-            </a:r>
-            <a:r>
-              <a:rPr lang="en-US" sz="1800" dirty="0" smtClean="0">
-                <a:latin typeface="Cambria" panose="02040503050406030204" pitchFamily="18" charset="0"/>
-              </a:rPr>
-              <a:t>alidation </a:t>
-            </a:r>
-            <a:r>
-              <a:rPr lang="en-US" sz="1800" dirty="0">
-                <a:latin typeface="Cambria" panose="02040503050406030204" pitchFamily="18" charset="0"/>
-              </a:rPr>
-              <a:t>check in case of login and registration </a:t>
-            </a:r>
-            <a:endParaRPr lang="en-US" sz="1800" dirty="0" smtClean="0">
-              <a:latin typeface="Cambria" panose="02040503050406030204" pitchFamily="18" charset="0"/>
-            </a:endParaRPr>
-          </a:p>
-          <a:p>
-            <a:endParaRPr lang="en-US" sz="1800" dirty="0">
-              <a:latin typeface="Cambria" panose="02040503050406030204" pitchFamily="18" charset="0"/>
-            </a:endParaRPr>
-          </a:p>
-          <a:p>
-            <a:r>
-              <a:rPr lang="en-US" sz="1800" dirty="0">
-                <a:latin typeface="Cambria" panose="02040503050406030204" pitchFamily="18" charset="0"/>
-              </a:rPr>
-              <a:t>A</a:t>
-            </a:r>
-            <a:r>
-              <a:rPr lang="en-US" sz="1800" dirty="0" smtClean="0">
-                <a:latin typeface="Cambria" panose="02040503050406030204" pitchFamily="18" charset="0"/>
-              </a:rPr>
-              <a:t>vailability </a:t>
-            </a:r>
-            <a:r>
-              <a:rPr lang="en-US" sz="1800" dirty="0">
-                <a:latin typeface="Cambria" panose="02040503050406030204" pitchFamily="18" charset="0"/>
-              </a:rPr>
-              <a:t>setting in case of drivers. </a:t>
+              <a:rPr lang="en-US" sz="2000" dirty="0" smtClean="0">
+                <a:latin typeface="Cambria" panose="02040503050406030204" pitchFamily="18" charset="0"/>
+              </a:rPr>
+              <a:t>Interfaces </a:t>
+            </a:r>
+            <a:r>
+              <a:rPr lang="en-US" sz="2000" dirty="0">
+                <a:latin typeface="Cambria" panose="02040503050406030204" pitchFamily="18" charset="0"/>
+              </a:rPr>
+              <a:t>for moving a taxi at the bottom of a queue and in general for updating taxis’ position. </a:t>
             </a:r>
           </a:p>
           <a:p>
@@ -11014,49 +11406,35 @@
             <a:endParaRPr lang="it-IT" dirty="0"/>
           </a:p>
           <a:p>
-            <a:endParaRPr lang="en-US" sz="1800" dirty="0" smtClean="0">
-              <a:latin typeface="Cambria" panose="02040503050406030204" pitchFamily="18" charset="0"/>
-            </a:endParaRPr>
-          </a:p>
-          <a:p>
-            <a:r>
-              <a:rPr lang="en-US" sz="1800" dirty="0" smtClean="0">
-                <a:latin typeface="Cambria" panose="02040503050406030204" pitchFamily="18" charset="0"/>
-              </a:rPr>
-              <a:t>Interfaces </a:t>
-            </a:r>
-            <a:r>
-              <a:rPr lang="en-US" sz="1800" dirty="0">
-                <a:latin typeface="Cambria" panose="02040503050406030204" pitchFamily="18" charset="0"/>
-              </a:rPr>
-              <a:t>for the communications of messages/notifications. </a:t>
-            </a:r>
-            <a:endParaRPr lang="en-US" sz="1800" dirty="0" smtClean="0">
-              <a:latin typeface="Cambria" panose="02040503050406030204" pitchFamily="18" charset="0"/>
-            </a:endParaRPr>
-          </a:p>
-          <a:p>
-            <a:endParaRPr lang="en-US" sz="1800" dirty="0">
-              <a:latin typeface="Cambria" panose="02040503050406030204" pitchFamily="18" charset="0"/>
-            </a:endParaRPr>
-          </a:p>
-          <a:p>
-            <a:endParaRPr lang="en-US" sz="1800" dirty="0">
-              <a:latin typeface="Cambria" panose="02040503050406030204" pitchFamily="18" charset="0"/>
-            </a:endParaRPr>
-          </a:p>
-          <a:p>
-            <a:r>
-              <a:rPr lang="en-US" sz="1800" dirty="0" smtClean="0">
-                <a:latin typeface="Cambria" panose="02040503050406030204" pitchFamily="18" charset="0"/>
-              </a:rPr>
-              <a:t>Interfaces </a:t>
-            </a:r>
-            <a:r>
-              <a:rPr lang="en-US" sz="1800" dirty="0">
-                <a:latin typeface="Cambria" panose="02040503050406030204" pitchFamily="18" charset="0"/>
-              </a:rPr>
-              <a:t>for the access to MTS database. </a:t>
+            <a:endParaRPr lang="it-IT" dirty="0"/>
+          </a:p>
+          <a:p>
+            <a:endParaRPr lang="it-IT" dirty="0" smtClean="0"/>
+          </a:p>
+          <a:p>
+            <a:r>
+              <a:rPr lang="it-IT" dirty="0" smtClean="0"/>
+              <a:t>Taxis</a:t>
+            </a:r>
+            <a:r>
+              <a:rPr lang="it-IT" dirty="0"/>
+              <a:t>’ GPS </a:t>
+            </a:r>
+            <a:r>
+              <a:rPr lang="it-IT" dirty="0" err="1"/>
+              <a:t>coordinates</a:t>
+            </a:r>
+            <a:r>
+              <a:rPr lang="it-IT" dirty="0"/>
+              <a:t>’ </a:t>
+            </a:r>
+            <a:r>
+              <a:rPr lang="it-IT" dirty="0" err="1"/>
+              <a:t>retrieval</a:t>
+            </a:r>
+            <a:r>
+              <a:rPr lang="it-IT" dirty="0"/>
+              <a:t>. </a:t>
             </a:r>
           </a:p>
           <a:p>
@@ -11067,7 +11445,7 @@
     </p:spTree>
     <p:extLst>
       <p:ext uri="{BB962C8B-B14F-4D97-AF65-F5344CB8AC3E}">
-        <p14:creationId xmlns:p14="http://schemas.microsoft.com/office/powerpoint/2010/main" val="2942948490"/>
+        <p14:creationId xmlns:p14="http://schemas.microsoft.com/office/powerpoint/2010/main" val="3195352890"/>
       </p:ext>
     </p:extLst>
   </p:cSld>
@@ -11286,7 +11664,7 @@
                                         <p:tgtEl>
                                           <p:spTgt spid="4">
                                             <p:txEl>
-                                              <p:pRg st="3" end="3"/>
+                                              <p:pRg st="4" end="4"/>
                                             </p:txEl>
                                           </p:spTgt>
                                         </p:tgtEl>
@@ -11304,7 +11682,7 @@
                                         <p:tgtEl>
                                           <p:spTgt spid="4">
                                             <p:txEl>
-                                              <p:pRg st="3" end="3"/>
+                                              <p:pRg st="4" end="4"/>
                                             </p:txEl>
                                           </p:spTgt>
                                         </p:tgtEl>
@@ -11332,7 +11710,7 @@
                             </p:stCondLst>
                             <p:childTnLst>
                               <p:par>
-                                <p:cTn id="22" presetID="10" presetClass="entr" presetSubtype="0" fill="hold" grpId="0" nodeType="clickEffect">
+                                <p:cTn id="22" presetID="42" presetClass="entr" presetSubtype="0" fill="hold" grpId="0" nodeType="clickEffect">
                                   <p:stCondLst>
                                     <p:cond delay="0"/>
                                   </p:stCondLst>
@@ -11345,9 +11723,9 @@
                                           </p:stCondLst>
                                         </p:cTn>
                                         <p:tgtEl>
-                                          <p:spTgt spid="4">
-                                            <p:txEl>
-                                              <p:pRg st="5" end="5"/>
+                                          <p:spTgt spid="5">
+                                            <p:txEl>
+                                              <p:pRg st="0" end="0"/>
                                             </p:txEl>
                                           </p:spTgt>
                                         </p:tgtEl>
@@ -11361,129 +11739,7 @@
                                     </p:set>
                                     <p:animEffect transition="in" filter="fade">
                                       <p:cBhvr>
-                                        <p:cTn id="24" dur="500"/>
-                                        <p:tgtEl>
-                                          <p:spTgt spid="4">
-                                            <p:txEl>
-                                              <p:pRg st="5" end="5"/>
-                                            </p:txEl>
-                                          </p:spTgt>
-                                        </p:tgtEl>
-                                      </p:cBhvr>
-                                    </p:animEffect>
-                                  </p:childTnLst>
-                                </p:cTn>
-                              </p:par>
-                            </p:childTnLst>
-                          </p:cTn>
-                        </p:par>
-                      </p:childTnLst>
-                    </p:cTn>
-                  </p:par>
-                  <p:par>
-                    <p:cTn id="25" fill="hold">
-                      <p:stCondLst>
-                        <p:cond delay="indefinite"/>
-                      </p:stCondLst>
-                      <p:childTnLst>
-                        <p:par>
-                          <p:cTn id="26" fill="hold">
-                            <p:stCondLst>
-                              <p:cond delay="0"/>
-                            </p:stCondLst>
-                            <p:childTnLst>
-                              <p:par>
-                                <p:cTn id="27" presetID="10" presetClass="entr" presetSubtype="0" fill="hold" grpId="0" nodeType="clickEffect">
-                                  <p:stCondLst>
-                                    <p:cond delay="0"/>
-                                  </p:stCondLst>
-                                  <p:childTnLst>
-                                    <p:set>
-                                      <p:cBhvr>
-                                        <p:cTn id="28" dur="1" fill="hold">
-                                          <p:stCondLst>
-                                            <p:cond delay="0"/>
-                                          </p:stCondLst>
-                                        </p:cTn>
-                                        <p:tgtEl>
-                                          <p:spTgt spid="4">
-                                            <p:txEl>
-                                              <p:pRg st="7" end="7"/>
-                                            </p:txEl>
-                                          </p:spTgt>
-                                        </p:tgtEl>
-                                        <p:attrNameLst>
-                                          <p:attrName>style.visibility</p:attrName>
-                                        </p:attrNameLst>
-                                      </p:cBhvr>
-                                      <p:to>
-                                        <p:strVal val="visible"/>
-                                      </p:to>
-                                    </p:set>
-                                    <p:animEffect transition="in" filter="fade">
-                                      <p:cBhvr>
-                                        <p:cTn id="29" dur="500"/>
-                                        <p:tgtEl>
-                                          <p:spTgt spid="4">
-                                            <p:txEl>
-                                              <p:pRg st="7" end="7"/>
-                                            </p:txEl>
-                                          </p:spTgt>
-                                        </p:tgtEl>
-                                      </p:cBhvr>
-                                    </p:animEffect>
-                                  </p:childTnLst>
-                                </p:cTn>
-                              </p:par>
-                            </p:childTnLst>
-                          </p:cTn>
-                        </p:par>
-                      </p:childTnLst>
-                    </p:cTn>
-                  </p:par>
-                  <p:par>
-                    <p:cTn id="30" fill="hold">
-                      <p:stCondLst>
-                        <p:cond delay="indefinite"/>
-                      </p:stCondLst>
-                      <p:childTnLst>
-                        <p:par>
-                          <p:cTn id="31" fill="hold">
-                            <p:stCondLst>
-                              <p:cond delay="0"/>
-                            </p:stCondLst>
-                            <p:childTnLst>
-                              <p:par>
-                                <p:cTn id="32" presetID="42" presetClass="entr" presetSubtype="0" fill="hold" grpId="0" nodeType="clickEffect">
-                                  <p:stCondLst>
-                                    <p:cond delay="0"/>
-                                  </p:stCondLst>
-                                  <p:childTnLst>
-                                    <p:set>
-                                      <p:cBhvr>
-                                        <p:cTn id="33" dur="1" fill="hold">
-                                          <p:stCondLst>
-                                            <p:cond delay="0"/>
-                                          </p:stCondLst>
-                                        </p:cTn>
-                                        <p:tgtEl>
-                                          <p:spTgt spid="5">
-                                            <p:txEl>
-                                              <p:pRg st="0" end="0"/>
-                                            </p:txEl>
-                                          </p:spTgt>
-                                        </p:tgtEl>
-                                        <p:attrNameLst>
-                                          <p:attrName>style.visibility</p:attrName>
-                                        </p:attrNameLst>
-                                      </p:cBhvr>
-                                      <p:to>
-                                        <p:strVal val="visible"/>
-                                      </p:to>
-                                    </p:set>
-                                    <p:animEffect transition="in" filter="fade">
-                                      <p:cBhvr>
-                                        <p:cTn id="34" dur="1000"/>
+                                        <p:cTn id="24" dur="1000"/>
                                         <p:tgtEl>
                                           <p:spTgt spid="5">
                                             <p:txEl>
@@ -11495,7 +11751,7 @@
                                     </p:animEffect>
                                     <p:anim calcmode="lin" valueType="num">
                                       <p:cBhvr>
-                                        <p:cTn id="35" dur="1000" fill="hold"/>
+                                        <p:cTn id="25" dur="1000" fill="hold"/>
                                         <p:tgtEl>
                                           <p:spTgt spid="5">
                                             <p:txEl>
@@ -11522,7 +11778,7 @@
                                     </p:anim>
                                     <p:anim calcmode="lin" valueType="num">
                                       <p:cBhvr>
-                                        <p:cTn id="36" dur="1000" fill="hold"/>
+                                        <p:cTn id="26" dur="1000" fill="hold"/>
                                         <p:tgtEl>
                                           <p:spTgt spid="5">
                                             <p:txEl>
@@ -11557,26 +11813,26 @@
                     </p:cTn>
                   </p:par>
                   <p:par>
-                    <p:cTn id="37" fill="hold">
+                    <p:cTn id="27" fill="hold">
                       <p:stCondLst>
                         <p:cond delay="indefinite"/>
                       </p:stCondLst>
                       <p:childTnLst>
                         <p:par>
-                          <p:cTn id="38" fill="hold">
+                          <p:cTn id="28" fill="hold">
                             <p:stCondLst>
                               <p:cond delay="0"/>
                             </p:stCondLst>
                             <p:childTnLst>
                               <p:par>
-                                <p:cTn id="39" presetID="10" presetClass="entr" presetSubtype="0" fill="hold" grpId="0" nodeType="clickEffect">
+                                <p:cTn id="29" presetID="10" presetClass="entr" presetSubtype="0" fill="hold" grpId="0" nodeType="clickEffect">
                                   <p:stCondLst>
                                     <p:cond delay="0"/>
                                   </p:stCondLst>
                                   <p:childTnLst>
                                     <p:set>
                                       <p:cBhvr>
-                                        <p:cTn id="40" dur="1" fill="hold">
+                                        <p:cTn id="30" dur="1" fill="hold">
                                           <p:stCondLst>
                                             <p:cond delay="0"/>
                                           </p:stCondLst>
@@ -11584,7 +11840,7 @@
                                         <p:tgtEl>
                                           <p:spTgt spid="6">
                                             <p:txEl>
-                                              <p:pRg st="2" end="2"/>
+                                              <p:pRg st="3" end="3"/>
                                             </p:txEl>
                                           </p:spTgt>
                                         </p:tgtEl>
@@ -11598,72 +11854,11 @@
                                     </p:set>
                                     <p:animEffect transition="in" filter="fade">
                                       <p:cBhvr>
-                                        <p:cTn id="41" dur="500"/>
+                                        <p:cTn id="31" dur="500"/>
                                         <p:tgtEl>
                                           <p:spTgt spid="6">
                                             <p:txEl>
-                                              <p:pRg st="2" end="2"/>
-                                            </p:txEl>
-                                          </p:spTgt>
-                                        </p:tgtEl>
-                                      </p:cBhvr>
-                                    </p:animEffect>
-                                  </p:childTnLst>
-                                </p:cTn>
-                              </p:par>
-                            </p:childTnLst>
-                          </p:cTn>
-                        </p:par>
-                      </p:childTnLst>
-                    </p:cTn>
-                  </p:par>
-                  <p:par>
-                    <p:cTn id="42" fill="hold">
-                      <p:stCondLst>
-                        <p:cond delay="indefinite"/>
-                      </p:stCondLst>
-                      <p:childTnLst>
-                        <p:par>
-                          <p:cTn id="43" fill="hold">
-                            <p:stCondLst>
-                              <p:cond delay="0"/>
-                            </p:stCondLst>
-                            <p:childTnLst>
-                              <p:par>
-                                <p:cTn id="44" presetID="10" presetClass="entr" presetSubtype="0" fill="hold" grpId="0" nodeType="clickEffect">
-                                  <p:stCondLst>
-                                    <p:cond delay="0"/>
-                                  </p:stCondLst>
-                                  <p:childTnLst>
-                                    <p:set>
-                                      <p:cBhvr>
-                                        <p:cTn id="45" dur="1" fill="hold">
-                                          <p:stCondLst>
-                                            <p:cond delay="0"/>
-                                          </p:stCondLst>
-                                        </p:cTn>
-                                        <p:tgtEl>
-                                          <p:spTgt spid="6">
-                                            <p:txEl>
-                                              <p:pRg st="5" end="5"/>
-                                            </p:txEl>
-                                          </p:spTgt>
-                                        </p:tgtEl>
-                                        <p:attrNameLst>
-                                          <p:attrName>style.visibility</p:attrName>
-                                        </p:attrNameLst>
-                                      </p:cBhvr>
-                                      <p:to>
-                                        <p:strVal val="visible"/>
-                                      </p:to>
-                                    </p:set>
-                                    <p:animEffect transition="in" filter="fade">
-                                      <p:cBhvr>
-                                        <p:cTn id="46" dur="500"/>
-                                        <p:tgtEl>
-                                          <p:spTgt spid="6">
-                                            <p:txEl>
-                                              <p:pRg st="5" end="5"/>
+                                              <p:pRg st="3" end="3"/>
                                             </p:txEl>
                                           </p:spTgt>
                                         </p:tgtEl>
@@ -11743,10 +11938,14 @@
           <a:p>
             <a:pPr algn="ctr"/>
             <a:r>
-              <a:rPr lang="it-IT" b="1" dirty="0" smtClean="0"/>
-              <a:t>Queue Manager</a:t>
-            </a:r>
-            <a:endParaRPr lang="it-IT" b="1" dirty="0"/>
+              <a:rPr lang="it-IT" b="1" dirty="0" smtClean="0">
+                <a:latin typeface="Cambria" panose="02040503050406030204" pitchFamily="18" charset="0"/>
+              </a:rPr>
+              <a:t>Message Broker</a:t>
+            </a:r>
+            <a:endParaRPr lang="it-IT" b="1" dirty="0">
+              <a:latin typeface="Cambria" panose="02040503050406030204" pitchFamily="18" charset="0"/>
+            </a:endParaRPr>
           </a:p>
         </p:txBody>
       </p:sp>
@@ -11866,31 +12065,64 @@
         </p:nvSpPr>
         <p:spPr/>
         <p:txBody>
-          <a:bodyPr>
-            <a:normAutofit lnSpcReduction="10000"/>
-          </a:bodyPr>
+          <a:bodyPr/>
           <a:lstStyle/>
           <a:p>
-            <a:endParaRPr lang="it-IT" dirty="0"/>
-          </a:p>
-          <a:p>
-            <a:r>
-              <a:rPr lang="en-US" sz="2000" dirty="0">
-                <a:latin typeface="Cambria" panose="02040503050406030204" pitchFamily="18" charset="0"/>
-              </a:rPr>
-              <a:t>T</a:t>
-            </a:r>
-            <a:r>
-              <a:rPr lang="en-US" sz="2000" dirty="0" smtClean="0">
-                <a:latin typeface="Cambria" panose="02040503050406030204" pitchFamily="18" charset="0"/>
-              </a:rPr>
-              <a:t>axi </a:t>
-            </a:r>
-            <a:r>
-              <a:rPr lang="en-US" sz="2000" dirty="0">
-                <a:latin typeface="Cambria" panose="02040503050406030204" pitchFamily="18" charset="0"/>
-              </a:rPr>
-              <a:t>retrieval and taxi removal from taxi queues. </a:t>
+            <a:endParaRPr lang="it-IT" dirty="0" smtClean="0"/>
+          </a:p>
+          <a:p>
+            <a:endParaRPr lang="it-IT" sz="2000" dirty="0" smtClean="0">
+              <a:latin typeface="Cambria" panose="02040503050406030204" pitchFamily="18" charset="0"/>
+            </a:endParaRPr>
+          </a:p>
+          <a:p>
+            <a:r>
+              <a:rPr lang="it-IT" sz="2000" dirty="0" err="1" smtClean="0">
+                <a:latin typeface="Cambria" panose="02040503050406030204" pitchFamily="18" charset="0"/>
+              </a:rPr>
+              <a:t>Forwarding</a:t>
+            </a:r>
+            <a:r>
+              <a:rPr lang="it-IT" sz="2000" dirty="0" smtClean="0">
+                <a:latin typeface="Cambria" panose="02040503050406030204" pitchFamily="18" charset="0"/>
+              </a:rPr>
+              <a:t> of </a:t>
+            </a:r>
+            <a:r>
+              <a:rPr lang="it-IT" sz="2000" dirty="0" err="1" smtClean="0">
+                <a:latin typeface="Cambria" panose="02040503050406030204" pitchFamily="18" charset="0"/>
+              </a:rPr>
+              <a:t>messages</a:t>
+            </a:r>
+            <a:r>
+              <a:rPr lang="it-IT" sz="2000" dirty="0" smtClean="0">
+                <a:latin typeface="Cambria" panose="02040503050406030204" pitchFamily="18" charset="0"/>
+              </a:rPr>
+              <a:t> </a:t>
+            </a:r>
+            <a:r>
+              <a:rPr lang="it-IT" sz="2000" dirty="0" err="1" smtClean="0">
+                <a:latin typeface="Cambria" panose="02040503050406030204" pitchFamily="18" charset="0"/>
+              </a:rPr>
+              <a:t>filtered</a:t>
+            </a:r>
+            <a:r>
+              <a:rPr lang="it-IT" sz="2000" dirty="0" smtClean="0">
+                <a:latin typeface="Cambria" panose="02040503050406030204" pitchFamily="18" charset="0"/>
+              </a:rPr>
+              <a:t> by </a:t>
+            </a:r>
+            <a:r>
+              <a:rPr lang="it-IT" sz="2000" dirty="0" err="1" smtClean="0">
+                <a:latin typeface="Cambria" panose="02040503050406030204" pitchFamily="18" charset="0"/>
+              </a:rPr>
+              <a:t>topic</a:t>
+            </a:r>
+            <a:r>
+              <a:rPr lang="it-IT" sz="2000" dirty="0" smtClean="0">
+                <a:latin typeface="Cambria" panose="02040503050406030204" pitchFamily="18" charset="0"/>
+              </a:rPr>
+              <a:t>.</a:t>
             </a:r>
           </a:p>
           <a:p>
@@ -11899,26 +12131,57 @@
             </a:endParaRPr>
           </a:p>
           <a:p>
+            <a:r>
+              <a:rPr lang="it-IT" sz="2000" dirty="0" err="1" smtClean="0">
+                <a:latin typeface="Cambria" panose="02040503050406030204" pitchFamily="18" charset="0"/>
+              </a:rPr>
+              <a:t>Forwarding</a:t>
+            </a:r>
+            <a:r>
+              <a:rPr lang="it-IT" sz="2000" dirty="0" smtClean="0">
+                <a:latin typeface="Cambria" panose="02040503050406030204" pitchFamily="18" charset="0"/>
+              </a:rPr>
+              <a:t> of </a:t>
+            </a:r>
+            <a:r>
+              <a:rPr lang="it-IT" sz="2000" dirty="0" err="1" smtClean="0">
+                <a:latin typeface="Cambria" panose="02040503050406030204" pitchFamily="18" charset="0"/>
+              </a:rPr>
+              <a:t>messages</a:t>
+            </a:r>
+            <a:r>
+              <a:rPr lang="it-IT" sz="2000" dirty="0" smtClean="0">
+                <a:latin typeface="Cambria" panose="02040503050406030204" pitchFamily="18" charset="0"/>
+              </a:rPr>
+              <a:t> </a:t>
+            </a:r>
+            <a:r>
+              <a:rPr lang="it-IT" sz="2000" dirty="0" err="1" smtClean="0">
+                <a:latin typeface="Cambria" panose="02040503050406030204" pitchFamily="18" charset="0"/>
+              </a:rPr>
+              <a:t>filtered</a:t>
+            </a:r>
+            <a:r>
+              <a:rPr lang="it-IT" sz="2000" dirty="0" smtClean="0">
+                <a:latin typeface="Cambria" panose="02040503050406030204" pitchFamily="18" charset="0"/>
+              </a:rPr>
+              <a:t> by </a:t>
+            </a:r>
+            <a:r>
+              <a:rPr lang="it-IT" sz="2000" dirty="0" err="1" smtClean="0">
+                <a:latin typeface="Cambria" panose="02040503050406030204" pitchFamily="18" charset="0"/>
+              </a:rPr>
+              <a:t>user</a:t>
+            </a:r>
+            <a:r>
+              <a:rPr lang="it-IT" sz="2000" dirty="0" smtClean="0">
+                <a:latin typeface="Cambria" panose="02040503050406030204" pitchFamily="18" charset="0"/>
+              </a:rPr>
+              <a:t>.</a:t>
+            </a:r>
             <a:endParaRPr lang="it-IT" sz="2000" dirty="0">
               <a:latin typeface="Cambria" panose="02040503050406030204" pitchFamily="18" charset="0"/>
             </a:endParaRPr>
-          </a:p>
-          <a:p>
-            <a:r>
-              <a:rPr lang="en-US" sz="2000" dirty="0" smtClean="0">
-                <a:latin typeface="Cambria" panose="02040503050406030204" pitchFamily="18" charset="0"/>
-              </a:rPr>
-              <a:t>Interfaces </a:t>
-            </a:r>
-            <a:r>
-              <a:rPr lang="en-US" sz="2000" dirty="0">
-                <a:latin typeface="Cambria" panose="02040503050406030204" pitchFamily="18" charset="0"/>
-              </a:rPr>
-              <a:t>for moving a taxi at the bottom of a queue and in general for updating taxis’ position. </a:t>
-            </a:r>
-          </a:p>
-          <a:p>
-            <a:endParaRPr lang="it-IT" dirty="0"/>
           </a:p>
         </p:txBody>
       </p:sp>
@@ -11937,49 +12200,147 @@
           <a:bodyPr/>
           <a:lstStyle/>
           <a:p>
-            <a:endParaRPr lang="it-IT" dirty="0"/>
-          </a:p>
-          <a:p>
-            <a:endParaRPr lang="it-IT" dirty="0"/>
-          </a:p>
-          <a:p>
             <a:endParaRPr lang="it-IT" dirty="0" smtClean="0"/>
           </a:p>
           <a:p>
             <a:r>
-              <a:rPr lang="it-IT" dirty="0" smtClean="0"/>
-              <a:t>Taxis</a:t>
-            </a:r>
-            <a:r>
-              <a:rPr lang="it-IT" dirty="0"/>
-              <a:t>’ GPS </a:t>
-            </a:r>
-            <a:r>
-              <a:rPr lang="it-IT" dirty="0" err="1"/>
-              <a:t>coordinates</a:t>
-            </a:r>
-            <a:r>
-              <a:rPr lang="it-IT" dirty="0"/>
-              <a:t>’ </a:t>
-            </a:r>
-            <a:r>
-              <a:rPr lang="it-IT" dirty="0" err="1"/>
-              <a:t>retrieval</a:t>
-            </a:r>
-            <a:r>
-              <a:rPr lang="it-IT" dirty="0"/>
-              <a:t>. </a:t>
-            </a:r>
-          </a:p>
-          <a:p>
-            <a:endParaRPr lang="it-IT" dirty="0"/>
+              <a:rPr lang="it-IT" sz="2000" dirty="0" smtClean="0">
+                <a:latin typeface="Cambria" panose="02040503050406030204" pitchFamily="18" charset="0"/>
+              </a:rPr>
+              <a:t>Interface for </a:t>
+            </a:r>
+            <a:r>
+              <a:rPr lang="it-IT" sz="2000" dirty="0" err="1" smtClean="0">
+                <a:latin typeface="Cambria" panose="02040503050406030204" pitchFamily="18" charset="0"/>
+              </a:rPr>
+              <a:t>sending</a:t>
+            </a:r>
+            <a:r>
+              <a:rPr lang="it-IT" sz="2000" dirty="0" smtClean="0">
+                <a:latin typeface="Cambria" panose="02040503050406030204" pitchFamily="18" charset="0"/>
+              </a:rPr>
+              <a:t> ‘’web </a:t>
+            </a:r>
+            <a:r>
+              <a:rPr lang="it-IT" sz="2000" dirty="0" err="1" smtClean="0">
+                <a:latin typeface="Cambria" panose="02040503050406030204" pitchFamily="18" charset="0"/>
+              </a:rPr>
+              <a:t>messages</a:t>
+            </a:r>
+            <a:r>
+              <a:rPr lang="it-IT" sz="2000" dirty="0" smtClean="0">
+                <a:latin typeface="Cambria" panose="02040503050406030204" pitchFamily="18" charset="0"/>
+              </a:rPr>
+              <a:t>’’.</a:t>
+            </a:r>
+          </a:p>
+          <a:p>
+            <a:endParaRPr lang="it-IT" sz="2000" dirty="0" smtClean="0">
+              <a:latin typeface="Cambria" panose="02040503050406030204" pitchFamily="18" charset="0"/>
+            </a:endParaRPr>
+          </a:p>
+          <a:p>
+            <a:r>
+              <a:rPr lang="it-IT" sz="2000" dirty="0" smtClean="0">
+                <a:latin typeface="Cambria" panose="02040503050406030204" pitchFamily="18" charset="0"/>
+              </a:rPr>
+              <a:t>Interface for </a:t>
+            </a:r>
+            <a:r>
+              <a:rPr lang="it-IT" sz="2000" dirty="0" err="1" smtClean="0">
+                <a:latin typeface="Cambria" panose="02040503050406030204" pitchFamily="18" charset="0"/>
+              </a:rPr>
+              <a:t>sending</a:t>
+            </a:r>
+            <a:r>
+              <a:rPr lang="it-IT" sz="2000" dirty="0" smtClean="0">
+                <a:latin typeface="Cambria" panose="02040503050406030204" pitchFamily="18" charset="0"/>
+              </a:rPr>
+              <a:t> </a:t>
+            </a:r>
+            <a:r>
+              <a:rPr lang="it-IT" sz="2000" dirty="0" err="1" smtClean="0">
+                <a:latin typeface="Cambria" panose="02040503050406030204" pitchFamily="18" charset="0"/>
+              </a:rPr>
+              <a:t>messages</a:t>
+            </a:r>
+            <a:r>
+              <a:rPr lang="it-IT" sz="2000" dirty="0" smtClean="0">
+                <a:latin typeface="Cambria" panose="02040503050406030204" pitchFamily="18" charset="0"/>
+              </a:rPr>
+              <a:t> </a:t>
+            </a:r>
+            <a:r>
+              <a:rPr lang="it-IT" sz="2000" dirty="0" err="1" smtClean="0">
+                <a:latin typeface="Cambria" panose="02040503050406030204" pitchFamily="18" charset="0"/>
+              </a:rPr>
+              <a:t>directly</a:t>
+            </a:r>
+            <a:r>
+              <a:rPr lang="it-IT" sz="2000" dirty="0" smtClean="0">
+                <a:latin typeface="Cambria" panose="02040503050406030204" pitchFamily="18" charset="0"/>
+              </a:rPr>
+              <a:t> to client </a:t>
+            </a:r>
+            <a:r>
+              <a:rPr lang="it-IT" sz="2000" dirty="0" err="1" smtClean="0">
+                <a:latin typeface="Cambria" panose="02040503050406030204" pitchFamily="18" charset="0"/>
+              </a:rPr>
+              <a:t>applications</a:t>
+            </a:r>
+            <a:r>
+              <a:rPr lang="it-IT" sz="2000" dirty="0" smtClean="0">
+                <a:latin typeface="Cambria" panose="02040503050406030204" pitchFamily="18" charset="0"/>
+              </a:rPr>
+              <a:t>.</a:t>
+            </a:r>
+          </a:p>
+          <a:p>
+            <a:endParaRPr lang="it-IT" sz="2000" dirty="0" smtClean="0">
+              <a:latin typeface="Cambria" panose="02040503050406030204" pitchFamily="18" charset="0"/>
+            </a:endParaRPr>
+          </a:p>
+          <a:p>
+            <a:r>
+              <a:rPr lang="it-IT" sz="2000" dirty="0" smtClean="0">
+                <a:latin typeface="Cambria" panose="02040503050406030204" pitchFamily="18" charset="0"/>
+              </a:rPr>
+              <a:t>Interface for </a:t>
+            </a:r>
+            <a:r>
+              <a:rPr lang="it-IT" sz="2000" dirty="0" err="1" smtClean="0">
+                <a:latin typeface="Cambria" panose="02040503050406030204" pitchFamily="18" charset="0"/>
+              </a:rPr>
+              <a:t>sending</a:t>
+            </a:r>
+            <a:r>
+              <a:rPr lang="it-IT" sz="2000" dirty="0" smtClean="0">
+                <a:latin typeface="Cambria" panose="02040503050406030204" pitchFamily="18" charset="0"/>
+              </a:rPr>
+              <a:t> </a:t>
+            </a:r>
+            <a:r>
+              <a:rPr lang="it-IT" sz="2000" dirty="0" err="1" smtClean="0">
+                <a:latin typeface="Cambria" panose="02040503050406030204" pitchFamily="18" charset="0"/>
+              </a:rPr>
+              <a:t>emails</a:t>
+            </a:r>
+            <a:r>
+              <a:rPr lang="it-IT" sz="2000" dirty="0" smtClean="0">
+                <a:latin typeface="Cambria" panose="02040503050406030204" pitchFamily="18" charset="0"/>
+              </a:rPr>
+              <a:t>.</a:t>
+            </a:r>
+            <a:endParaRPr lang="it-IT" sz="2000" dirty="0">
+              <a:latin typeface="Cambria" panose="02040503050406030204" pitchFamily="18" charset="0"/>
+            </a:endParaRPr>
           </a:p>
         </p:txBody>
       </p:sp>
     </p:spTree>
     <p:extLst>
       <p:ext uri="{BB962C8B-B14F-4D97-AF65-F5344CB8AC3E}">
-        <p14:creationId xmlns:p14="http://schemas.microsoft.com/office/powerpoint/2010/main" val="3195352890"/>
+        <p14:creationId xmlns:p14="http://schemas.microsoft.com/office/powerpoint/2010/main" val="2462145973"/>
       </p:ext>
     </p:extLst>
   </p:cSld>
@@ -12137,7 +12498,7 @@
                                         <p:tgtEl>
                                           <p:spTgt spid="4">
                                             <p:txEl>
-                                              <p:pRg st="1" end="1"/>
+                                              <p:pRg st="2" end="2"/>
                                             </p:txEl>
                                           </p:spTgt>
                                         </p:tgtEl>
@@ -12155,7 +12516,7 @@
                                         <p:tgtEl>
                                           <p:spTgt spid="4">
                                             <p:txEl>
-                                              <p:pRg st="1" end="1"/>
+                                              <p:pRg st="2" end="2"/>
                                             </p:txEl>
                                           </p:spTgt>
                                         </p:tgtEl>
@@ -12374,7 +12735,7 @@
                                         <p:tgtEl>
                                           <p:spTgt spid="6">
                                             <p:txEl>
-                                              <p:pRg st="3" end="3"/>
+                                              <p:pRg st="1" end="1"/>
                                             </p:txEl>
                                           </p:spTgt>
                                         </p:tgtEl>
@@ -12392,7 +12753,129 @@
                                         <p:tgtEl>
                                           <p:spTgt spid="6">
                                             <p:txEl>
+                                              <p:pRg st="1" end="1"/>
+                                            </p:txEl>
+                                          </p:spTgt>
+                                        </p:tgtEl>
+                                      </p:cBhvr>
+                                    </p:animEffect>
+                                  </p:childTnLst>
+                                </p:cTn>
+                              </p:par>
+                            </p:childTnLst>
+                          </p:cTn>
+                        </p:par>
+                      </p:childTnLst>
+                    </p:cTn>
+                  </p:par>
+                  <p:par>
+                    <p:cTn id="32" fill="hold">
+                      <p:stCondLst>
+                        <p:cond delay="indefinite"/>
+                      </p:stCondLst>
+                      <p:childTnLst>
+                        <p:par>
+                          <p:cTn id="33" fill="hold">
+                            <p:stCondLst>
+                              <p:cond delay="0"/>
+                            </p:stCondLst>
+                            <p:childTnLst>
+                              <p:par>
+                                <p:cTn id="34" presetID="10" presetClass="entr" presetSubtype="0" fill="hold" grpId="0" nodeType="clickEffect">
+                                  <p:stCondLst>
+                                    <p:cond delay="0"/>
+                                  </p:stCondLst>
+                                  <p:childTnLst>
+                                    <p:set>
+                                      <p:cBhvr>
+                                        <p:cTn id="35" dur="1" fill="hold">
+                                          <p:stCondLst>
+                                            <p:cond delay="0"/>
+                                          </p:stCondLst>
+                                        </p:cTn>
+                                        <p:tgtEl>
+                                          <p:spTgt spid="6">
+                                            <p:txEl>
                                               <p:pRg st="3" end="3"/>
+                                            </p:txEl>
+                                          </p:spTgt>
+                                        </p:tgtEl>
+                                        <p:attrNameLst>
+                                          <p:attrName>style.visibility</p:attrName>
+                                        </p:attrNameLst>
+                                      </p:cBhvr>
+                                      <p:to>
+                                        <p:strVal val="visible"/>
+                                      </p:to>
+                                    </p:set>
+                                    <p:animEffect transition="in" filter="fade">
+                                      <p:cBhvr>
+                                        <p:cTn id="36" dur="500"/>
+                                        <p:tgtEl>
+                                          <p:spTgt spid="6">
+                                            <p:txEl>
+                                              <p:pRg st="3" end="3"/>
+                                            </p:txEl>
+                                          </p:spTgt>
+                                        </p:tgtEl>
+                                      </p:cBhvr>
+                                    </p:animEffect>
+                                  </p:childTnLst>
+                                </p:cTn>
+                              </p:par>
+                            </p:childTnLst>
+                          </p:cTn>
+                        </p:par>
+                      </p:childTnLst>
+                    </p:cTn>
+                  </p:par>
+                  <p:par>
+                    <p:cTn id="37" fill="hold">
+                      <p:stCondLst>
+                        <p:cond delay="indefinite"/>
+                      </p:stCondLst>
+                      <p:childTnLst>
+                        <p:par>
+                          <p:cTn id="38" fill="hold">
+                            <p:stCondLst>
+                              <p:cond delay="0"/>
+                            </p:stCondLst>
+                            <p:childTnLst>
+                              <p:par>
+                                <p:cTn id="39" presetID="10" presetClass="entr" presetSubtype="0" fill="hold" grpId="0" nodeType="clickEffect">
+                                  <p:stCondLst>
+                                    <p:cond delay="0"/>
+                                  </p:stCondLst>
+                                  <p:childTnLst>
+                                    <p:set>
+                                      <p:cBhvr>
+                                        <p:cTn id="40" dur="1" fill="hold">
+                                          <p:stCondLst>
+                                            <p:cond delay="0"/>
+                                          </p:stCondLst>
+                                        </p:cTn>
+                                        <p:tgtEl>
+                                          <p:spTgt spid="6">
+                                            <p:txEl>
+                                              <p:pRg st="5" end="5"/>
+                                            </p:txEl>
+                                          </p:spTgt>
+                                        </p:tgtEl>
+                                        <p:attrNameLst>
+                                          <p:attrName>style.visibility</p:attrName>
+                                        </p:attrNameLst>
+                                      </p:cBhvr>
+                                      <p:to>
+                                        <p:strVal val="visible"/>
+                                      </p:to>
+                                    </p:set>
+                                    <p:animEffect transition="in" filter="fade">
+                                      <p:cBhvr>
+                                        <p:cTn id="41" dur="500"/>
+                                        <p:tgtEl>
+                                          <p:spTgt spid="6">
+                                            <p:txEl>
+                                              <p:pRg st="5" end="5"/>
                                             </p:txEl>
                                           </p:spTgt>
                                         </p:tgtEl>
@@ -12465,17 +12948,36 @@
             <p:ph type="title"/>
           </p:nvPr>
         </p:nvSpPr>
-        <p:spPr/>
+        <p:spPr>
+          <a:xfrm>
+            <a:off x="457200" y="528066"/>
+            <a:ext cx="8229600" cy="747540"/>
+          </a:xfrm>
+        </p:spPr>
         <p:txBody>
-          <a:bodyPr/>
+          <a:bodyPr>
+            <a:normAutofit fontScale="90000"/>
+          </a:bodyPr>
           <a:lstStyle/>
           <a:p>
             <a:pPr algn="ctr"/>
             <a:r>
+              <a:rPr lang="it-IT" b="1" dirty="0" err="1" smtClean="0">
+                <a:latin typeface="Cambria" panose="02040503050406030204" pitchFamily="18" charset="0"/>
+              </a:rPr>
+              <a:t>Sequence</a:t>
+            </a:r>
+            <a:r>
               <a:rPr lang="it-IT" b="1" dirty="0" smtClean="0">
                 <a:latin typeface="Cambria" panose="02040503050406030204" pitchFamily="18" charset="0"/>
               </a:rPr>
-              <a:t>Message Broker</a:t>
+              <a:t> - </a:t>
+            </a:r>
+            <a:r>
+              <a:rPr lang="it-IT" b="1" dirty="0" err="1" smtClean="0">
+                <a:latin typeface="Cambria" panose="02040503050406030204" pitchFamily="18" charset="0"/>
+              </a:rPr>
+              <a:t>Reservation</a:t>
             </a:r>
             <a:endParaRPr lang="it-IT" b="1" dirty="0">
               <a:latin typeface="Cambria" panose="02040503050406030204" pitchFamily="18" charset="0"/>
@@ -12485,387 +12987,301 @@
       </p:sp>
       <p:sp>
         <p:nvSpPr>
-          <p:cNvPr id="3" name="Segnaposto testo 2"/>
+          <p:cNvPr id="3" name="Segnaposto contenuto 2"/>
           <p:cNvSpPr>
             <a:spLocks noGrp="1"/>
           </p:cNvSpPr>
           <p:nvPr>
-            <p:ph type="body" idx="1"/>
+            <p:ph idx="1"/>
           </p:nvPr>
         </p:nvSpPr>
-        <p:spPr/>
+        <p:spPr>
+          <a:xfrm>
+            <a:off x="457200" y="1635646"/>
+            <a:ext cx="8229600" cy="2952328"/>
+          </a:xfrm>
+        </p:spPr>
         <p:txBody>
-          <a:bodyPr/>
+          <a:bodyPr>
+            <a:normAutofit/>
+          </a:bodyPr>
           <a:lstStyle/>
           <a:p>
-            <a:pPr algn="ctr"/>
-            <a:r>
-              <a:rPr lang="it-IT" dirty="0" err="1" smtClean="0">
-                <a:latin typeface="Cambria" panose="02040503050406030204" pitchFamily="18" charset="0"/>
-              </a:rPr>
-              <a:t>What</a:t>
-            </a:r>
-            <a:r>
-              <a:rPr lang="it-IT" dirty="0" smtClean="0">
+            <a:pPr marL="0" indent="0">
+              <a:buNone/>
+            </a:pPr>
+            <a:r>
+              <a:rPr lang="it-IT" sz="2400" dirty="0" err="1" smtClean="0">
+                <a:latin typeface="Cambria" panose="02040503050406030204" pitchFamily="18" charset="0"/>
+              </a:rPr>
+              <a:t>Now</a:t>
+            </a:r>
+            <a:r>
+              <a:rPr lang="it-IT" sz="2400" dirty="0" smtClean="0">
                 <a:latin typeface="Cambria" panose="02040503050406030204" pitchFamily="18" charset="0"/>
               </a:rPr>
               <a:t> </a:t>
             </a:r>
             <a:r>
-              <a:rPr lang="it-IT" dirty="0" err="1" smtClean="0">
-                <a:latin typeface="Cambria" panose="02040503050406030204" pitchFamily="18" charset="0"/>
-              </a:rPr>
-              <a:t>it</a:t>
-            </a:r>
-            <a:r>
-              <a:rPr lang="it-IT" dirty="0" smtClean="0">
+              <a:rPr lang="it-IT" sz="2400" dirty="0" err="1" smtClean="0">
+                <a:latin typeface="Cambria" panose="02040503050406030204" pitchFamily="18" charset="0"/>
+              </a:rPr>
+              <a:t>let’s</a:t>
+            </a:r>
+            <a:r>
+              <a:rPr lang="it-IT" sz="2400" dirty="0" smtClean="0">
                 <a:latin typeface="Cambria" panose="02040503050406030204" pitchFamily="18" charset="0"/>
               </a:rPr>
               <a:t> </a:t>
             </a:r>
             <a:r>
-              <a:rPr lang="it-IT" dirty="0" err="1" smtClean="0">
-                <a:latin typeface="Cambria" panose="02040503050406030204" pitchFamily="18" charset="0"/>
-              </a:rPr>
-              <a:t>offers</a:t>
-            </a:r>
-            <a:endParaRPr lang="it-IT" dirty="0">
+              <a:rPr lang="it-IT" sz="2400" dirty="0" err="1" smtClean="0">
+                <a:latin typeface="Cambria" panose="02040503050406030204" pitchFamily="18" charset="0"/>
+              </a:rPr>
+              <a:t>have</a:t>
+            </a:r>
+            <a:r>
+              <a:rPr lang="it-IT" sz="2400" dirty="0" smtClean="0">
+                <a:latin typeface="Cambria" panose="02040503050406030204" pitchFamily="18" charset="0"/>
+              </a:rPr>
+              <a:t> a look to an </a:t>
+            </a:r>
+            <a:r>
+              <a:rPr lang="it-IT" sz="2400" dirty="0" err="1" smtClean="0">
+                <a:latin typeface="Cambria" panose="02040503050406030204" pitchFamily="18" charset="0"/>
+              </a:rPr>
+              <a:t>example</a:t>
+            </a:r>
+            <a:r>
+              <a:rPr lang="it-IT" sz="2400" dirty="0" smtClean="0">
+                <a:latin typeface="Cambria" panose="02040503050406030204" pitchFamily="18" charset="0"/>
+              </a:rPr>
+              <a:t> of </a:t>
+            </a:r>
+            <a:r>
+              <a:rPr lang="it-IT" sz="2400" dirty="0" err="1" smtClean="0">
+                <a:latin typeface="Cambria" panose="02040503050406030204" pitchFamily="18" charset="0"/>
+              </a:rPr>
+              <a:t>runtime</a:t>
+            </a:r>
+            <a:r>
+              <a:rPr lang="it-IT" sz="2400" dirty="0" smtClean="0">
+                <a:latin typeface="Cambria" panose="02040503050406030204" pitchFamily="18" charset="0"/>
+              </a:rPr>
+              <a:t> </a:t>
+            </a:r>
+            <a:r>
+              <a:rPr lang="it-IT" sz="2400" dirty="0" err="1" smtClean="0">
+                <a:latin typeface="Cambria" panose="02040503050406030204" pitchFamily="18" charset="0"/>
+              </a:rPr>
+              <a:t>behaviour</a:t>
+            </a:r>
+            <a:r>
+              <a:rPr lang="it-IT" sz="2400" dirty="0" smtClean="0">
+                <a:latin typeface="Cambria" panose="02040503050406030204" pitchFamily="18" charset="0"/>
+              </a:rPr>
+              <a:t> of the </a:t>
+            </a:r>
+            <a:r>
+              <a:rPr lang="it-IT" sz="2400" dirty="0" err="1" smtClean="0">
+                <a:latin typeface="Cambria" panose="02040503050406030204" pitchFamily="18" charset="0"/>
+              </a:rPr>
+              <a:t>system</a:t>
+            </a:r>
+            <a:r>
+              <a:rPr lang="it-IT" sz="2400" dirty="0" smtClean="0">
+                <a:latin typeface="Cambria" panose="02040503050406030204" pitchFamily="18" charset="0"/>
+              </a:rPr>
+              <a:t>.</a:t>
+            </a:r>
+          </a:p>
+          <a:p>
+            <a:pPr marL="0" indent="0">
+              <a:buNone/>
+            </a:pPr>
+            <a:endParaRPr lang="it-IT" sz="2400" dirty="0" smtClean="0">
               <a:latin typeface="Cambria" panose="02040503050406030204" pitchFamily="18" charset="0"/>
             </a:endParaRPr>
           </a:p>
-        </p:txBody>
-      </p:sp>
-      <p:sp>
-        <p:nvSpPr>
-          <p:cNvPr id="5" name="Segnaposto testo 4"/>
-          <p:cNvSpPr>
-            <a:spLocks noGrp="1"/>
-          </p:cNvSpPr>
-          <p:nvPr>
-            <p:ph type="body" sz="half" idx="3"/>
-          </p:nvPr>
-        </p:nvSpPr>
-        <p:spPr/>
-        <p:txBody>
-          <a:bodyPr/>
-          <a:lstStyle/>
-          <a:p>
-            <a:pPr algn="ctr"/>
-            <a:r>
-              <a:rPr lang="it-IT" dirty="0" err="1" smtClean="0">
-                <a:latin typeface="Cambria" panose="02040503050406030204" pitchFamily="18" charset="0"/>
-              </a:rPr>
-              <a:t>What</a:t>
-            </a:r>
-            <a:r>
-              <a:rPr lang="it-IT" dirty="0" smtClean="0">
+          <a:p>
+            <a:pPr marL="0" indent="0">
+              <a:buNone/>
+            </a:pPr>
+            <a:r>
+              <a:rPr lang="it-IT" sz="2400" dirty="0" smtClean="0">
+                <a:latin typeface="Cambria" panose="02040503050406030204" pitchFamily="18" charset="0"/>
+              </a:rPr>
+              <a:t>The </a:t>
+            </a:r>
+            <a:r>
+              <a:rPr lang="it-IT" sz="2400" dirty="0" err="1" smtClean="0">
+                <a:latin typeface="Cambria" panose="02040503050406030204" pitchFamily="18" charset="0"/>
+              </a:rPr>
+              <a:t>context</a:t>
+            </a:r>
+            <a:r>
+              <a:rPr lang="it-IT" sz="2400" dirty="0" smtClean="0">
                 <a:latin typeface="Cambria" panose="02040503050406030204" pitchFamily="18" charset="0"/>
               </a:rPr>
               <a:t> </a:t>
             </a:r>
             <a:r>
-              <a:rPr lang="it-IT" dirty="0" err="1" smtClean="0">
-                <a:latin typeface="Cambria" panose="02040503050406030204" pitchFamily="18" charset="0"/>
-              </a:rPr>
-              <a:t>it</a:t>
-            </a:r>
-            <a:r>
-              <a:rPr lang="it-IT" dirty="0" smtClean="0">
+              <a:rPr lang="it-IT" sz="2400" dirty="0" err="1" smtClean="0">
+                <a:latin typeface="Cambria" panose="02040503050406030204" pitchFamily="18" charset="0"/>
+              </a:rPr>
+              <a:t>chosen</a:t>
+            </a:r>
+            <a:r>
+              <a:rPr lang="it-IT" sz="2400" dirty="0" smtClean="0">
                 <a:latin typeface="Cambria" panose="02040503050406030204" pitchFamily="18" charset="0"/>
               </a:rPr>
               <a:t> </a:t>
             </a:r>
             <a:r>
-              <a:rPr lang="it-IT" dirty="0" err="1" smtClean="0">
-                <a:latin typeface="Cambria" panose="02040503050406030204" pitchFamily="18" charset="0"/>
-              </a:rPr>
-              <a:t>needs</a:t>
-            </a:r>
-            <a:endParaRPr lang="it-IT" dirty="0">
-              <a:latin typeface="Cambria" panose="02040503050406030204" pitchFamily="18" charset="0"/>
-            </a:endParaRPr>
-          </a:p>
-        </p:txBody>
-      </p:sp>
-      <p:sp>
-        <p:nvSpPr>
-          <p:cNvPr id="4" name="Segnaposto contenuto 3"/>
-          <p:cNvSpPr>
-            <a:spLocks noGrp="1"/>
-          </p:cNvSpPr>
-          <p:nvPr>
-            <p:ph sz="quarter" idx="2"/>
-          </p:nvPr>
-        </p:nvSpPr>
-        <p:spPr/>
-        <p:txBody>
-          <a:bodyPr/>
-          <a:lstStyle/>
-          <a:p>
-            <a:endParaRPr lang="it-IT" dirty="0" smtClean="0"/>
-          </a:p>
-          <a:p>
-            <a:endParaRPr lang="it-IT" sz="2000" dirty="0" smtClean="0">
-              <a:latin typeface="Cambria" panose="02040503050406030204" pitchFamily="18" charset="0"/>
-            </a:endParaRPr>
-          </a:p>
-          <a:p>
-            <a:r>
-              <a:rPr lang="it-IT" sz="2000" dirty="0" err="1" smtClean="0">
-                <a:latin typeface="Cambria" panose="02040503050406030204" pitchFamily="18" charset="0"/>
-              </a:rPr>
-              <a:t>Forwarding</a:t>
-            </a:r>
-            <a:r>
-              <a:rPr lang="it-IT" sz="2000" dirty="0" smtClean="0">
-                <a:latin typeface="Cambria" panose="02040503050406030204" pitchFamily="18" charset="0"/>
-              </a:rPr>
-              <a:t> of </a:t>
-            </a:r>
-            <a:r>
-              <a:rPr lang="it-IT" sz="2000" dirty="0" err="1" smtClean="0">
-                <a:latin typeface="Cambria" panose="02040503050406030204" pitchFamily="18" charset="0"/>
-              </a:rPr>
-              <a:t>messages</a:t>
-            </a:r>
-            <a:r>
-              <a:rPr lang="it-IT" sz="2000" dirty="0" smtClean="0">
+              <a:rPr lang="it-IT" sz="2400" dirty="0" err="1" smtClean="0">
+                <a:latin typeface="Cambria" panose="02040503050406030204" pitchFamily="18" charset="0"/>
+              </a:rPr>
+              <a:t>is</a:t>
+            </a:r>
+            <a:r>
+              <a:rPr lang="it-IT" sz="2400" dirty="0" smtClean="0">
+                <a:latin typeface="Cambria" panose="02040503050406030204" pitchFamily="18" charset="0"/>
+              </a:rPr>
+              <a:t> a </a:t>
+            </a:r>
+            <a:r>
+              <a:rPr lang="it-IT" sz="2400" b="1" dirty="0" err="1" smtClean="0">
+                <a:latin typeface="Cambria" panose="02040503050406030204" pitchFamily="18" charset="0"/>
+              </a:rPr>
+              <a:t>successfull</a:t>
+            </a:r>
+            <a:r>
+              <a:rPr lang="it-IT" sz="2400" dirty="0" smtClean="0">
                 <a:latin typeface="Cambria" panose="02040503050406030204" pitchFamily="18" charset="0"/>
               </a:rPr>
               <a:t> </a:t>
             </a:r>
             <a:r>
-              <a:rPr lang="it-IT" sz="2000" dirty="0" err="1" smtClean="0">
-                <a:latin typeface="Cambria" panose="02040503050406030204" pitchFamily="18" charset="0"/>
-              </a:rPr>
-              <a:t>filtered</a:t>
-            </a:r>
-            <a:r>
-              <a:rPr lang="it-IT" sz="2000" dirty="0" smtClean="0">
-                <a:latin typeface="Cambria" panose="02040503050406030204" pitchFamily="18" charset="0"/>
-              </a:rPr>
-              <a:t> by </a:t>
-            </a:r>
-            <a:r>
-              <a:rPr lang="it-IT" sz="2000" dirty="0" err="1" smtClean="0">
-                <a:latin typeface="Cambria" panose="02040503050406030204" pitchFamily="18" charset="0"/>
-              </a:rPr>
-              <a:t>topic</a:t>
-            </a:r>
-            <a:r>
-              <a:rPr lang="it-IT" sz="2000" dirty="0" smtClean="0">
+              <a:rPr lang="it-IT" sz="2400" b="1" dirty="0" smtClean="0">
+                <a:latin typeface="Cambria" panose="02040503050406030204" pitchFamily="18" charset="0"/>
+              </a:rPr>
+              <a:t>taxi</a:t>
+            </a:r>
+            <a:r>
+              <a:rPr lang="it-IT" sz="2400" dirty="0" smtClean="0">
+                <a:latin typeface="Cambria" panose="02040503050406030204" pitchFamily="18" charset="0"/>
+              </a:rPr>
+              <a:t> </a:t>
+            </a:r>
+            <a:r>
+              <a:rPr lang="it-IT" sz="2400" b="1" dirty="0" err="1" smtClean="0">
+                <a:latin typeface="Cambria" panose="02040503050406030204" pitchFamily="18" charset="0"/>
+              </a:rPr>
+              <a:t>reservation</a:t>
+            </a:r>
+            <a:r>
+              <a:rPr lang="it-IT" sz="2400" dirty="0" smtClean="0">
+                <a:latin typeface="Cambria" panose="02040503050406030204" pitchFamily="18" charset="0"/>
+              </a:rPr>
+              <a:t>, </a:t>
+            </a:r>
+            <a:r>
+              <a:rPr lang="it-IT" sz="2400" dirty="0" err="1" smtClean="0">
+                <a:latin typeface="Cambria" panose="02040503050406030204" pitchFamily="18" charset="0"/>
+              </a:rPr>
+              <a:t>which</a:t>
+            </a:r>
+            <a:r>
+              <a:rPr lang="it-IT" sz="2400" dirty="0" smtClean="0">
+                <a:latin typeface="Cambria" panose="02040503050406030204" pitchFamily="18" charset="0"/>
+              </a:rPr>
+              <a:t> </a:t>
+            </a:r>
+            <a:r>
+              <a:rPr lang="it-IT" sz="2400" dirty="0" err="1" smtClean="0">
+                <a:latin typeface="Cambria" panose="02040503050406030204" pitchFamily="18" charset="0"/>
+              </a:rPr>
+              <a:t>is</a:t>
+            </a:r>
+            <a:r>
+              <a:rPr lang="it-IT" sz="2400" dirty="0" smtClean="0">
+                <a:latin typeface="Cambria" panose="02040503050406030204" pitchFamily="18" charset="0"/>
+              </a:rPr>
+              <a:t> a </a:t>
+            </a:r>
+            <a:r>
+              <a:rPr lang="it-IT" sz="2400" dirty="0" err="1" smtClean="0">
+                <a:latin typeface="Cambria" panose="02040503050406030204" pitchFamily="18" charset="0"/>
+              </a:rPr>
+              <a:t>quite</a:t>
+            </a:r>
+            <a:r>
+              <a:rPr lang="it-IT" sz="2400" dirty="0" smtClean="0">
+                <a:latin typeface="Cambria" panose="02040503050406030204" pitchFamily="18" charset="0"/>
+              </a:rPr>
+              <a:t> </a:t>
+            </a:r>
+            <a:r>
+              <a:rPr lang="it-IT" sz="2400" dirty="0" err="1" smtClean="0">
+                <a:latin typeface="Cambria" panose="02040503050406030204" pitchFamily="18" charset="0"/>
+              </a:rPr>
+              <a:t>relevant</a:t>
+            </a:r>
+            <a:r>
+              <a:rPr lang="it-IT" sz="2400" dirty="0" smtClean="0">
+                <a:latin typeface="Cambria" panose="02040503050406030204" pitchFamily="18" charset="0"/>
+              </a:rPr>
+              <a:t> case and </a:t>
+            </a:r>
+            <a:r>
+              <a:rPr lang="it-IT" sz="2400" dirty="0" err="1" smtClean="0">
+                <a:latin typeface="Cambria" panose="02040503050406030204" pitchFamily="18" charset="0"/>
+              </a:rPr>
+              <a:t>involves</a:t>
+            </a:r>
+            <a:r>
+              <a:rPr lang="it-IT" sz="2400" dirty="0" smtClean="0">
+                <a:latin typeface="Cambria" panose="02040503050406030204" pitchFamily="18" charset="0"/>
+              </a:rPr>
+              <a:t> </a:t>
+            </a:r>
+            <a:r>
+              <a:rPr lang="it-IT" sz="2400" dirty="0" err="1" smtClean="0">
+                <a:latin typeface="Cambria" panose="02040503050406030204" pitchFamily="18" charset="0"/>
+              </a:rPr>
+              <a:t>almost</a:t>
+            </a:r>
+            <a:r>
+              <a:rPr lang="it-IT" sz="2400" dirty="0" smtClean="0">
+                <a:latin typeface="Cambria" panose="02040503050406030204" pitchFamily="18" charset="0"/>
+              </a:rPr>
+              <a:t> </a:t>
+            </a:r>
+            <a:r>
+              <a:rPr lang="it-IT" sz="2400" dirty="0" err="1" smtClean="0">
+                <a:latin typeface="Cambria" panose="02040503050406030204" pitchFamily="18" charset="0"/>
+              </a:rPr>
+              <a:t>all</a:t>
+            </a:r>
+            <a:r>
+              <a:rPr lang="it-IT" sz="2400" dirty="0" smtClean="0">
+                <a:latin typeface="Cambria" panose="02040503050406030204" pitchFamily="18" charset="0"/>
+              </a:rPr>
+              <a:t> the </a:t>
+            </a:r>
+            <a:r>
+              <a:rPr lang="it-IT" sz="2400" dirty="0" err="1" smtClean="0">
+                <a:latin typeface="Cambria" panose="02040503050406030204" pitchFamily="18" charset="0"/>
+              </a:rPr>
+              <a:t>components</a:t>
+            </a:r>
+            <a:r>
+              <a:rPr lang="it-IT" sz="2400" dirty="0" smtClean="0">
                 <a:latin typeface="Cambria" panose="02040503050406030204" pitchFamily="18" charset="0"/>
               </a:rPr>
               <a:t>.</a:t>
             </a:r>
-          </a:p>
-          <a:p>
-            <a:endParaRPr lang="it-IT" sz="2000" dirty="0">
-              <a:latin typeface="Cambria" panose="02040503050406030204" pitchFamily="18" charset="0"/>
-            </a:endParaRPr>
-          </a:p>
-          <a:p>
-            <a:r>
-              <a:rPr lang="it-IT" sz="2000" dirty="0" err="1" smtClean="0">
-                <a:latin typeface="Cambria" panose="02040503050406030204" pitchFamily="18" charset="0"/>
-              </a:rPr>
-              <a:t>Forwarding</a:t>
-            </a:r>
-            <a:r>
-              <a:rPr lang="it-IT" sz="2000" dirty="0" smtClean="0">
-                <a:latin typeface="Cambria" panose="02040503050406030204" pitchFamily="18" charset="0"/>
-              </a:rPr>
-              <a:t> of </a:t>
-            </a:r>
-            <a:r>
-              <a:rPr lang="it-IT" sz="2000" dirty="0" err="1" smtClean="0">
-                <a:latin typeface="Cambria" panose="02040503050406030204" pitchFamily="18" charset="0"/>
-              </a:rPr>
-              <a:t>messages</a:t>
-            </a:r>
-            <a:r>
-              <a:rPr lang="it-IT" sz="2000" dirty="0" smtClean="0">
-                <a:latin typeface="Cambria" panose="02040503050406030204" pitchFamily="18" charset="0"/>
-              </a:rPr>
-              <a:t> </a:t>
-            </a:r>
-            <a:r>
-              <a:rPr lang="it-IT" sz="2000" dirty="0" err="1" smtClean="0">
-                <a:latin typeface="Cambria" panose="02040503050406030204" pitchFamily="18" charset="0"/>
-              </a:rPr>
-              <a:t>filtered</a:t>
-            </a:r>
-            <a:r>
-              <a:rPr lang="it-IT" sz="2000" dirty="0" smtClean="0">
-                <a:latin typeface="Cambria" panose="02040503050406030204" pitchFamily="18" charset="0"/>
-              </a:rPr>
-              <a:t> by </a:t>
-            </a:r>
-            <a:r>
-              <a:rPr lang="it-IT" sz="2000" dirty="0" err="1" smtClean="0">
-                <a:latin typeface="Cambria" panose="02040503050406030204" pitchFamily="18" charset="0"/>
-              </a:rPr>
-              <a:t>user</a:t>
-            </a:r>
-            <a:r>
-              <a:rPr lang="it-IT" sz="2000" dirty="0" smtClean="0">
-                <a:latin typeface="Cambria" panose="02040503050406030204" pitchFamily="18" charset="0"/>
-              </a:rPr>
-              <a:t>.</a:t>
-            </a:r>
-            <a:endParaRPr lang="it-IT" sz="2000" dirty="0">
-              <a:latin typeface="Cambria" panose="02040503050406030204" pitchFamily="18" charset="0"/>
-            </a:endParaRPr>
-          </a:p>
-        </p:txBody>
-      </p:sp>
-      <p:sp>
-        <p:nvSpPr>
-          <p:cNvPr id="6" name="Segnaposto contenuto 5"/>
-          <p:cNvSpPr>
-            <a:spLocks noGrp="1"/>
-          </p:cNvSpPr>
-          <p:nvPr>
-            <p:ph sz="quarter" idx="4"/>
-          </p:nvPr>
-        </p:nvSpPr>
-        <p:spPr/>
-        <p:txBody>
-          <a:bodyPr/>
-          <a:lstStyle/>
-          <a:p>
-            <a:endParaRPr lang="it-IT" dirty="0" smtClean="0"/>
-          </a:p>
-          <a:p>
-            <a:r>
-              <a:rPr lang="it-IT" sz="2000" dirty="0" smtClean="0">
-                <a:latin typeface="Cambria" panose="02040503050406030204" pitchFamily="18" charset="0"/>
-              </a:rPr>
-              <a:t>Interface for </a:t>
-            </a:r>
-            <a:r>
-              <a:rPr lang="it-IT" sz="2000" dirty="0" err="1" smtClean="0">
-                <a:latin typeface="Cambria" panose="02040503050406030204" pitchFamily="18" charset="0"/>
-              </a:rPr>
-              <a:t>sending</a:t>
-            </a:r>
-            <a:r>
-              <a:rPr lang="it-IT" sz="2000" dirty="0" smtClean="0">
-                <a:latin typeface="Cambria" panose="02040503050406030204" pitchFamily="18" charset="0"/>
-              </a:rPr>
-              <a:t> ‘’web </a:t>
-            </a:r>
-            <a:r>
-              <a:rPr lang="it-IT" sz="2000" dirty="0" err="1" smtClean="0">
-                <a:latin typeface="Cambria" panose="02040503050406030204" pitchFamily="18" charset="0"/>
-              </a:rPr>
-              <a:t>messages</a:t>
-            </a:r>
-            <a:r>
-              <a:rPr lang="it-IT" sz="2000" dirty="0" smtClean="0">
-                <a:latin typeface="Cambria" panose="02040503050406030204" pitchFamily="18" charset="0"/>
-              </a:rPr>
-              <a:t>’’.</a:t>
-            </a:r>
-          </a:p>
-          <a:p>
-            <a:endParaRPr lang="it-IT" sz="2000" dirty="0" smtClean="0">
-              <a:latin typeface="Cambria" panose="02040503050406030204" pitchFamily="18" charset="0"/>
-            </a:endParaRPr>
-          </a:p>
-          <a:p>
-            <a:r>
-              <a:rPr lang="it-IT" sz="2000" dirty="0" smtClean="0">
-                <a:latin typeface="Cambria" panose="02040503050406030204" pitchFamily="18" charset="0"/>
-              </a:rPr>
-              <a:t>Interface for </a:t>
-            </a:r>
-            <a:r>
-              <a:rPr lang="it-IT" sz="2000" dirty="0" err="1" smtClean="0">
-                <a:latin typeface="Cambria" panose="02040503050406030204" pitchFamily="18" charset="0"/>
-              </a:rPr>
-              <a:t>sending</a:t>
-            </a:r>
-            <a:r>
-              <a:rPr lang="it-IT" sz="2000" dirty="0" smtClean="0">
-                <a:latin typeface="Cambria" panose="02040503050406030204" pitchFamily="18" charset="0"/>
-              </a:rPr>
-              <a:t> </a:t>
-            </a:r>
-            <a:r>
-              <a:rPr lang="it-IT" sz="2000" dirty="0" err="1" smtClean="0">
-                <a:latin typeface="Cambria" panose="02040503050406030204" pitchFamily="18" charset="0"/>
-              </a:rPr>
-              <a:t>messages</a:t>
-            </a:r>
-            <a:r>
-              <a:rPr lang="it-IT" sz="2000" dirty="0" smtClean="0">
-                <a:latin typeface="Cambria" panose="02040503050406030204" pitchFamily="18" charset="0"/>
-              </a:rPr>
-              <a:t> </a:t>
-            </a:r>
-            <a:r>
-              <a:rPr lang="it-IT" sz="2000" dirty="0" err="1" smtClean="0">
-                <a:latin typeface="Cambria" panose="02040503050406030204" pitchFamily="18" charset="0"/>
-              </a:rPr>
-              <a:t>directly</a:t>
-            </a:r>
-            <a:r>
-              <a:rPr lang="it-IT" sz="2000" dirty="0" smtClean="0">
-                <a:latin typeface="Cambria" panose="02040503050406030204" pitchFamily="18" charset="0"/>
-              </a:rPr>
-              <a:t> to client </a:t>
-            </a:r>
-            <a:r>
-              <a:rPr lang="it-IT" sz="2000" dirty="0" err="1" smtClean="0">
-                <a:latin typeface="Cambria" panose="02040503050406030204" pitchFamily="18" charset="0"/>
-              </a:rPr>
-              <a:t>applications</a:t>
-            </a:r>
-            <a:r>
-              <a:rPr lang="it-IT" sz="2000" dirty="0" smtClean="0">
-                <a:latin typeface="Cambria" panose="02040503050406030204" pitchFamily="18" charset="0"/>
-              </a:rPr>
-              <a:t>.</a:t>
-            </a:r>
-          </a:p>
-          <a:p>
-            <a:endParaRPr lang="it-IT" sz="2000" dirty="0" smtClean="0">
-              <a:latin typeface="Cambria" panose="02040503050406030204" pitchFamily="18" charset="0"/>
-            </a:endParaRPr>
-          </a:p>
-          <a:p>
-            <a:r>
-              <a:rPr lang="it-IT" sz="2000" dirty="0" smtClean="0">
-                <a:latin typeface="Cambria" panose="02040503050406030204" pitchFamily="18" charset="0"/>
-              </a:rPr>
-              <a:t>Interface for </a:t>
-            </a:r>
-            <a:r>
-              <a:rPr lang="it-IT" sz="2000" dirty="0" err="1" smtClean="0">
-                <a:latin typeface="Cambria" panose="02040503050406030204" pitchFamily="18" charset="0"/>
-              </a:rPr>
-              <a:t>sending</a:t>
-            </a:r>
-            <a:r>
-              <a:rPr lang="it-IT" sz="2000" dirty="0" smtClean="0">
-                <a:latin typeface="Cambria" panose="02040503050406030204" pitchFamily="18" charset="0"/>
-              </a:rPr>
-              <a:t> </a:t>
-            </a:r>
-            <a:r>
-              <a:rPr lang="it-IT" sz="2000" dirty="0" err="1" smtClean="0">
-                <a:latin typeface="Cambria" panose="02040503050406030204" pitchFamily="18" charset="0"/>
-              </a:rPr>
-              <a:t>emails</a:t>
-            </a:r>
-            <a:r>
-              <a:rPr lang="it-IT" sz="2000" dirty="0" smtClean="0">
-                <a:latin typeface="Cambria" panose="02040503050406030204" pitchFamily="18" charset="0"/>
-              </a:rPr>
-              <a:t>.</a:t>
-            </a:r>
-            <a:endParaRPr lang="it-IT" sz="2000" dirty="0">
+            <a:endParaRPr lang="it-IT" sz="2400" dirty="0">
               <a:latin typeface="Cambria" panose="02040503050406030204" pitchFamily="18" charset="0"/>
             </a:endParaRPr>
           </a:p>
@@ -12874,7 +13290,7 @@
     </p:spTree>
     <p:extLst>
       <p:ext uri="{BB962C8B-B14F-4D97-AF65-F5344CB8AC3E}">
-        <p14:creationId xmlns:p14="http://schemas.microsoft.com/office/powerpoint/2010/main" val="2462145973"/>
+        <p14:creationId xmlns:p14="http://schemas.microsoft.com/office/powerpoint/2010/main" val="3086539563"/>
       </p:ext>
     </p:extLst>
   </p:cSld>
@@ -12902,7 +13318,7 @@
                             </p:stCondLst>
                             <p:childTnLst>
                               <p:par>
-                                <p:cTn id="5" presetID="42" presetClass="entr" presetSubtype="0" fill="hold" grpId="0" nodeType="clickEffect">
+                                <p:cTn id="5" presetID="10" presetClass="entr" presetSubtype="0" fill="hold" grpId="0" nodeType="clickEffect">
                                   <p:stCondLst>
                                     <p:cond delay="0"/>
                                   </p:stCondLst>
@@ -12931,126 +13347,11 @@
                                     </p:set>
                                     <p:animEffect transition="in" filter="fade">
                                       <p:cBhvr>
-                                        <p:cTn id="7" dur="1000"/>
+                                        <p:cTn id="7" dur="500"/>
                                         <p:tgtEl>
                                           <p:spTgt spid="3">
                                             <p:txEl>
                                               <p:pRg st="0" end="0"/>
-                                            </p:txEl>
-                                          </p:spTgt>
-                                        </p:tgtEl>
-                                      </p:cBhvr>
-                                    </p:animEffect>
-                                    <p:anim calcmode="lin" valueType="num">
-                                      <p:cBhvr>
-                                        <p:cTn id="8" dur="1000" fill="hold"/>
-                                        <p:tgtEl>
-                                          <p:spTgt spid="3">
-                                            <p:txEl>
-                                              <p:pRg st="0" end="0"/>
-                                            </p:txEl>
-                                          </p:spTgt>
-                                        </p:tgtEl>
-                                        <p:attrNameLst>
-                                          <p:attrName>ppt_x</p:attrName>
-                                        </p:attrNameLst>
-                                      </p:cBhvr>
-                                      <p:tavLst>
-                                        <p:tav tm="0">
-                                          <p:val>
-                                            <p:strVal val="#ppt_x"/>
-                                          </p:val>
-                                        </p:tav>
-                                        <p:tav tm="100000">
-                                          <p:val>
-                                            <p:strVal val="#ppt_x"/>
-                                          </p:val>
-                                        </p:tav>
-                                      </p:tavLst>
-                                    </p:anim>
-                                    <p:anim calcmode="lin" valueType="num">
-                                      <p:cBhvr>
-                                        <p:cTn id="9" dur="1000" fill="hold"/>
-                                        <p:tgtEl>
-                                          <p:spTgt spid="3">
-                                            <p:txEl>
-                                              <p:pRg st="0" end="0"/>
-                                            </p:txEl>
-                                          </p:spTgt>
-                                        </p:tgtEl>
-                                        <p:attrNameLst>
-                                          <p:attrName>ppt_y</p:attrName>
-                                        </p:attrNameLst>
-                                      </p:cBhvr>
-                                      <p:tavLst>
-                                        <p:tav tm="0">
-                                          <p:val>
-                                            <p:strVal val="#ppt_y+.1"/>
-                                          </p:val>
-                                        </p:tav>
-                                        <p:tav tm="100000">
-                                          <p:val>
-                                            <p:strVal val="#ppt_y"/>
-                                          </p:val>
-                                        </p:tav>
-                                      </p:tavLst>
-                                    </p:anim>
-                                  </p:childTnLst>
-                                </p:cTn>
-                              </p:par>
-                            </p:childTnLst>
-                          </p:cTn>
-                        </p:par>
-                      </p:childTnLst>
-                    </p:cTn>
-                  </p:par>
-                  <p:par>
-                    <p:cTn id="10" fill="hold">
-                      <p:stCondLst>
-                        <p:cond delay="indefinite"/>
-                      </p:stCondLst>
-                      <p:childTnLst>
-                        <p:par>
-                          <p:cTn id="11" fill="hold">
-                            <p:stCondLst>
-                              <p:cond delay="0"/>
-                            </p:stCondLst>
-                            <p:childTnLst>
-                              <p:par>
-                                <p:cTn id="12" presetID="10" presetClass="entr" presetSubtype="0" fill="hold" grpId="0" nodeType="clickEffect">
-                                  <p:stCondLst>
-                                    <p:cond delay="0"/>
-                                  </p:stCondLst>
-                                  <p:childTnLst>
-                                    <p:set>
-                                      <p:cBhvr>
-                                        <p:cTn id="13" dur="1" fill="hold">
-                                          <p:stCondLst>
-                                            <p:cond delay="0"/>
-                                          </p:stCondLst>
-                                        </p:cTn>
-                                        <p:tgtEl>
-                                          <p:spTgt spid="4">
-                                            <p:txEl>
-                                              <p:pRg st="2" end="2"/>
-                                            </p:txEl>
-                                          </p:spTgt>
-                                        </p:tgtEl>
-                                        <p:attrNameLst>
-                                          <p:attrName>style.visibility</p:attrName>
-                                        </p:attrNameLst>
-                                      </p:cBhvr>
-                                      <p:to>
-                                        <p:strVal val="visible"/>
-                                      </p:to>
-                                    </p:set>
-                                    <p:animEffect transition="in" filter="fade">
-                                      <p:cBhvr>
-                                        <p:cTn id="14" dur="500"/>
-                                        <p:tgtEl>
-                                          <p:spTgt spid="4">
-                                            <p:txEl>
-                                              <p:pRg st="2" end="2"/>
                                             </p:txEl>
                                           </p:spTgt>
                                         </p:tgtEl>
@@ -13066,34 +13367,34 @@
                     </p:cTn>
                   </p:par>
                   <p:par>
-                    <p:cTn id="15" fill="hold">
+                    <p:cTn id="8" fill="hold">
                       <p:stCondLst>
                         <p:cond delay="indefinite"/>
                       </p:stCondLst>
                       <p:childTnLst>
                         <p:par>
-                          <p:cTn id="16" fill="hold">
+                          <p:cTn id="9" fill="hold">
                             <p:stCondLst>
                               <p:cond delay="0"/>
                             </p:stCondLst>
                             <p:childTnLst>
                               <p:par>
-                                <p:cTn id="17" presetID="10" presetClass="entr" presetSubtype="0" fill="hold" grpId="0" nodeType="clickEffect">
+                                <p:cTn id="10" presetID="10" presetClass="entr" presetSubtype="0" fill="hold" grpId="0" nodeType="clickEffect">
                                   <p:stCondLst>
                                     <p:cond delay="0"/>
                                   </p:stCondLst>
                                   <p:childTnLst>
                                     <p:set>
                                       <p:cBhvr>
-                                        <p:cTn id="18" dur="1" fill="hold">
+                                        <p:cTn id="11" dur="1" fill="hold">
                                           <p:stCondLst>
                                             <p:cond delay="0"/>
                                           </p:stCondLst>
                                         </p:cTn>
                                         <p:tgtEl>
-                                          <p:spTgt spid="4">
-                                            <p:txEl>
-                                              <p:pRg st="4" end="4"/>
+                                          <p:spTgt spid="3">
+                                            <p:txEl>
+                                              <p:pRg st="2" end="2"/>
                                             </p:txEl>
                                           </p:spTgt>
                                         </p:tgtEl>
@@ -13107,309 +13408,11 @@
                                     </p:set>
                                     <p:animEffect transition="in" filter="fade">
                                       <p:cBhvr>
-                                        <p:cTn id="19" dur="500"/>
-                                        <p:tgtEl>
-                                          <p:spTgt spid="4">
-                                            <p:txEl>
-                                              <p:pRg st="4" end="4"/>
-                                            </p:txEl>
-                                          </p:spTgt>
-                                        </p:tgtEl>
-                                      </p:cBhvr>
-                                    </p:animEffect>
-                                  </p:childTnLst>
-                                </p:cTn>
-                              </p:par>
-                            </p:childTnLst>
-                          </p:cTn>
-                        </p:par>
-                      </p:childTnLst>
-                    </p:cTn>
-                  </p:par>
-                  <p:par>
-                    <p:cTn id="20" fill="hold">
-                      <p:stCondLst>
-                        <p:cond delay="indefinite"/>
-                      </p:stCondLst>
-                      <p:childTnLst>
-                        <p:par>
-                          <p:cTn id="21" fill="hold">
-                            <p:stCondLst>
-                              <p:cond delay="0"/>
-                            </p:stCondLst>
-                            <p:childTnLst>
-                              <p:par>
-                                <p:cTn id="22" presetID="42" presetClass="entr" presetSubtype="0" fill="hold" grpId="0" nodeType="clickEffect">
-                                  <p:stCondLst>
-                                    <p:cond delay="0"/>
-                                  </p:stCondLst>
-                                  <p:childTnLst>
-                                    <p:set>
-                                      <p:cBhvr>
-                                        <p:cTn id="23" dur="1" fill="hold">
-                                          <p:stCondLst>
-                                            <p:cond delay="0"/>
-                                          </p:stCondLst>
-                                        </p:cTn>
-                                        <p:tgtEl>
-                                          <p:spTgt spid="5">
-                                            <p:txEl>
-                                              <p:pRg st="0" end="0"/>
-                                            </p:txEl>
-                                          </p:spTgt>
-                                        </p:tgtEl>
-                                        <p:attrNameLst>
-                                          <p:attrName>style.visibility</p:attrName>
-                                        </p:attrNameLst>
-                                      </p:cBhvr>
-                                      <p:to>
-                                        <p:strVal val="visible"/>
-                                      </p:to>
-                                    </p:set>
-                                    <p:animEffect transition="in" filter="fade">
-                                      <p:cBhvr>
-                                        <p:cTn id="24" dur="1000"/>
-                                        <p:tgtEl>
-                                          <p:spTgt spid="5">
-                                            <p:txEl>
-                                              <p:pRg st="0" end="0"/>
-                                            </p:txEl>
-                                          </p:spTgt>
-                                        </p:tgtEl>
-                                      </p:cBhvr>
-                                    </p:animEffect>
-                                    <p:anim calcmode="lin" valueType="num">
-                                      <p:cBhvr>
-                                        <p:cTn id="25" dur="1000" fill="hold"/>
-                                        <p:tgtEl>
-                                          <p:spTgt spid="5">
-                                            <p:txEl>
-                                              <p:pRg st="0" end="0"/>
-                                            </p:txEl>
-                                          </p:spTgt>
-                                        </p:tgtEl>
-                                        <p:attrNameLst>
-                                          <p:attrName>ppt_x</p:attrName>
-                                        </p:attrNameLst>
-                                      </p:cBhvr>
-                                      <p:tavLst>
-                                        <p:tav tm="0">
-                                          <p:val>
-                                            <p:strVal val="#ppt_x"/>
-                                          </p:val>
-                                        </p:tav>
-                                        <p:tav tm="100000">
-                                          <p:val>
-                                            <p:strVal val="#ppt_x"/>
-                                          </p:val>
-                                        </p:tav>
-                                      </p:tavLst>
-                                    </p:anim>
-                                    <p:anim calcmode="lin" valueType="num">
-                                      <p:cBhvr>
-                                        <p:cTn id="26" dur="1000" fill="hold"/>
-                                        <p:tgtEl>
-                                          <p:spTgt spid="5">
-                                            <p:txEl>
-                                              <p:pRg st="0" end="0"/>
-                                            </p:txEl>
-                                          </p:spTgt>
-                                        </p:tgtEl>
-                                        <p:attrNameLst>
-                                          <p:attrName>ppt_y</p:attrName>
-                                        </p:attrNameLst>
-                                      </p:cBhvr>
-                                      <p:tavLst>
-                                        <p:tav tm="0">
-                                          <p:val>
-                                            <p:strVal val="#ppt_y+.1"/>
-                                          </p:val>
-                                        </p:tav>
-                                        <p:tav tm="100000">
-                                          <p:val>
-                                            <p:strVal val="#ppt_y"/>
-                                          </p:val>
-                                        </p:tav>
-                                      </p:tavLst>
-                                    </p:anim>
-                                  </p:childTnLst>
-                                </p:cTn>
-                              </p:par>
-                            </p:childTnLst>
-                          </p:cTn>
-                        </p:par>
-                      </p:childTnLst>
-                    </p:cTn>
-                  </p:par>
-                  <p:par>
-                    <p:cTn id="27" fill="hold">
-                      <p:stCondLst>
-                        <p:cond delay="indefinite"/>
-                      </p:stCondLst>
-                      <p:childTnLst>
-                        <p:par>
-                          <p:cTn id="28" fill="hold">
-                            <p:stCondLst>
-                              <p:cond delay="0"/>
-                            </p:stCondLst>
-                            <p:childTnLst>
-                              <p:par>
-                                <p:cTn id="29" presetID="10" presetClass="entr" presetSubtype="0" fill="hold" grpId="0" nodeType="clickEffect">
-                                  <p:stCondLst>
-                                    <p:cond delay="0"/>
-                                  </p:stCondLst>
-                                  <p:childTnLst>
-                                    <p:set>
-                                      <p:cBhvr>
-                                        <p:cTn id="30" dur="1" fill="hold">
-                                          <p:stCondLst>
-                                            <p:cond delay="0"/>
-                                          </p:stCondLst>
-                                        </p:cTn>
-                                        <p:tgtEl>
-                                          <p:spTgt spid="6">
-                                            <p:txEl>
-                                              <p:pRg st="1" end="1"/>
-                                            </p:txEl>
-                                          </p:spTgt>
-                                        </p:tgtEl>
-                                        <p:attrNameLst>
-                                          <p:attrName>style.visibility</p:attrName>
-                                        </p:attrNameLst>
-                                      </p:cBhvr>
-                                      <p:to>
-                                        <p:strVal val="visible"/>
-                                      </p:to>
-                                    </p:set>
-                                    <p:animEffect transition="in" filter="fade">
-                                      <p:cBhvr>
-                                        <p:cTn id="31" dur="500"/>
-                                        <p:tgtEl>
-                                          <p:spTgt spid="6">
-                                            <p:txEl>
-                                              <p:pRg st="1" end="1"/>
-                                            </p:txEl>
-                                          </p:spTgt>
-                                        </p:tgtEl>
-                                      </p:cBhvr>
-                                    </p:animEffect>
-                                  </p:childTnLst>
-                                </p:cTn>
-                              </p:par>
-                            </p:childTnLst>
-                          </p:cTn>
-                        </p:par>
-                      </p:childTnLst>
-                    </p:cTn>
-                  </p:par>
-                  <p:par>
-                    <p:cTn id="32" fill="hold">
-                      <p:stCondLst>
-                        <p:cond delay="indefinite"/>
-                      </p:stCondLst>
-                      <p:childTnLst>
-                        <p:par>
-                          <p:cTn id="33" fill="hold">
-                            <p:stCondLst>
-                              <p:cond delay="0"/>
-                            </p:stCondLst>
-                            <p:childTnLst>
-                              <p:par>
-                                <p:cTn id="34" presetID="10" presetClass="entr" presetSubtype="0" fill="hold" grpId="0" nodeType="clickEffect">
-                                  <p:stCondLst>
-                                    <p:cond delay="0"/>
-                                  </p:stCondLst>
-                                  <p:childTnLst>
-                                    <p:set>
-                                      <p:cBhvr>
-                                        <p:cTn id="35" dur="1" fill="hold">
-                                          <p:stCondLst>
-                                            <p:cond delay="0"/>
-                                          </p:stCondLst>
-                                        </p:cTn>
-                                        <p:tgtEl>
-                                          <p:spTgt spid="6">
-                                            <p:txEl>
-                                              <p:pRg st="3" end="3"/>
-                                            </p:txEl>
-                                          </p:spTgt>
-                                        </p:tgtEl>
-                                        <p:attrNameLst>
-                                          <p:attrName>style.visibility</p:attrName>
-                                        </p:attrNameLst>
-                                      </p:cBhvr>
-                                      <p:to>
-                                        <p:strVal val="visible"/>
-                                      </p:to>
-                                    </p:set>
-                                    <p:animEffect transition="in" filter="fade">
-                                      <p:cBhvr>
-                                        <p:cTn id="36" dur="500"/>
-                                        <p:tgtEl>
-                                          <p:spTgt spid="6">
-                                            <p:txEl>
-                                              <p:pRg st="3" end="3"/>
-                                            </p:txEl>
-                                          </p:spTgt>
-                                        </p:tgtEl>
-                                      </p:cBhvr>
-                                    </p:animEffect>
-                                  </p:childTnLst>
-                                </p:cTn>
-                              </p:par>
-                            </p:childTnLst>
-                          </p:cTn>
-                        </p:par>
-                      </p:childTnLst>
-                    </p:cTn>
-                  </p:par>
-                  <p:par>
-                    <p:cTn id="37" fill="hold">
-                      <p:stCondLst>
-                        <p:cond delay="indefinite"/>
-                      </p:stCondLst>
-                      <p:childTnLst>
-                        <p:par>
-                          <p:cTn id="38" fill="hold">
-                            <p:stCondLst>
-                              <p:cond delay="0"/>
-                            </p:stCondLst>
-                            <p:childTnLst>
-                              <p:par>
-                                <p:cTn id="39" presetID="10" presetClass="entr" presetSubtype="0" fill="hold" grpId="0" nodeType="clickEffect">
-                                  <p:stCondLst>
-                                    <p:cond delay="0"/>
-                                  </p:stCondLst>
-                                  <p:childTnLst>
-                                    <p:set>
-                                      <p:cBhvr>
-                                        <p:cTn id="40" dur="1" fill="hold">
-                                          <p:stCondLst>
-                                            <p:cond delay="0"/>
-                                          </p:stCondLst>
-                                        </p:cTn>
-                                        <p:tgtEl>
-                                          <p:spTgt spid="6">
-                                            <p:txEl>
-                                              <p:pRg st="5" end="5"/>
-                                            </p:txEl>
-                                          </p:spTgt>
-                                        </p:tgtEl>
-                                        <p:attrNameLst>
-                                          <p:attrName>style.visibility</p:attrName>
-                                        </p:attrNameLst>
-                                      </p:cBhvr>
-                                      <p:to>
-                                        <p:strVal val="visible"/>
-                                      </p:to>
-                                    </p:set>
-                                    <p:animEffect transition="in" filter="fade">
-                                      <p:cBhvr>
-                                        <p:cTn id="41" dur="500"/>
-                                        <p:tgtEl>
-                                          <p:spTgt spid="6">
-                                            <p:txEl>
-                                              <p:pRg st="5" end="5"/>
+                                        <p:cTn id="12" dur="500"/>
+                                        <p:tgtEl>
+                                          <p:spTgt spid="3">
+                                            <p:txEl>
+                                              <p:pRg st="2" end="2"/>
                                             </p:txEl>
                                           </p:spTgt>
                                         </p:tgtEl>
@@ -13447,9 +13450,6 @@
     </p:tnLst>
     <p:bldLst>
       <p:bldP spid="3" grpId="0" build="p"/>
-      <p:bldP spid="5" grpId="0" build="p"/>
-      <p:bldP spid="4" grpId="0" build="p"/>
-      <p:bldP spid="6" grpId="0" build="p"/>
     </p:bldLst>
   </p:timing>
 </p:sld>
@@ -13728,25 +13728,26 @@
           </a:bodyPr>
           <a:lstStyle/>
           <a:p>
-            <a:r>
-              <a:rPr lang="it-IT" dirty="0" err="1" smtClean="0">
+            <a:pPr algn="ctr"/>
+            <a:r>
+              <a:rPr lang="it-IT" b="1" dirty="0" err="1" smtClean="0">
                 <a:latin typeface="Cambria" panose="02040503050406030204" pitchFamily="18" charset="0"/>
               </a:rPr>
               <a:t>Sequence</a:t>
             </a:r>
             <a:r>
-              <a:rPr lang="it-IT" dirty="0" smtClean="0">
+              <a:rPr lang="it-IT" b="1" dirty="0" smtClean="0">
                 <a:latin typeface="Cambria" panose="02040503050406030204" pitchFamily="18" charset="0"/>
               </a:rPr>
               <a:t> - </a:t>
             </a:r>
             <a:r>
-              <a:rPr lang="it-IT" dirty="0" err="1" smtClean="0">
+              <a:rPr lang="it-IT" b="1" dirty="0" err="1" smtClean="0">
                 <a:latin typeface="Cambria" panose="02040503050406030204" pitchFamily="18" charset="0"/>
               </a:rPr>
               <a:t>Reservation</a:t>
             </a:r>
-            <a:endParaRPr lang="it-IT" dirty="0">
+            <a:endParaRPr lang="it-IT" b="1" dirty="0">
               <a:latin typeface="Cambria" panose="02040503050406030204" pitchFamily="18" charset="0"/>
             </a:endParaRPr>
           </a:p>
@@ -14608,17 +14609,8 @@
               <a:rPr lang="en-US" sz="1500" dirty="0">
                 <a:latin typeface="Cambria" panose="02040503050406030204" pitchFamily="18" charset="0"/>
               </a:rPr>
-              <a:t>Manages </a:t>
-            </a:r>
-            <a:r>
-              <a:rPr lang="en-US" sz="1500" dirty="0">
-                <a:latin typeface="Cambria" panose="02040503050406030204" pitchFamily="18" charset="0"/>
-              </a:rPr>
-              <a:t>the web requests sent by clients using the web application. </a:t>
-            </a:r>
-            <a:endParaRPr lang="en-US" sz="1500" dirty="0">
-              <a:latin typeface="Cambria" panose="02040503050406030204" pitchFamily="18" charset="0"/>
-            </a:endParaRPr>
+              <a:t>Manages the web requests sent by clients using the web application. </a:t>
+            </a:r>
           </a:p>
           <a:p>
             <a:pPr marL="600075" lvl="1" indent="-257175">
@@ -14635,13 +14627,7 @@
               <a:rPr lang="en-US" sz="1500" dirty="0">
                 <a:latin typeface="Cambria" panose="02040503050406030204" pitchFamily="18" charset="0"/>
               </a:rPr>
-              <a:t>If </a:t>
-            </a:r>
-            <a:r>
-              <a:rPr lang="en-US" sz="1500" dirty="0">
-                <a:latin typeface="Cambria" panose="02040503050406030204" pitchFamily="18" charset="0"/>
-              </a:rPr>
-              <a:t>the request can be resolved with a static content page, the web server will generate and send the response itself.</a:t>
+              <a:t>If the request can be resolved with a static content page, the web server will generate and send the response itself.</a:t>
             </a:r>
             <a:endParaRPr lang="it-IT" sz="1500" dirty="0">
               <a:latin typeface="Cambria" panose="02040503050406030204" pitchFamily="18" charset="0"/>
@@ -14662,13 +14648,7 @@
               <a:rPr lang="en-US" sz="1500" dirty="0">
                 <a:latin typeface="Cambria" panose="02040503050406030204" pitchFamily="18" charset="0"/>
               </a:rPr>
-              <a:t>If </a:t>
-            </a:r>
-            <a:r>
-              <a:rPr lang="en-US" sz="1500" dirty="0">
-                <a:latin typeface="Cambria" panose="02040503050406030204" pitchFamily="18" charset="0"/>
-              </a:rPr>
-              <a:t>the request comports a dynamic content, the web server will delegate the dynamic response generation to the application server</a:t>
+              <a:t>If the request comports a dynamic content, the web server will delegate the dynamic response generation to the application server</a:t>
             </a:r>
             <a:endParaRPr lang="it-IT" sz="1500" dirty="0">
               <a:latin typeface="Cambria" panose="02040503050406030204" pitchFamily="18" charset="0"/>
@@ -15199,19 +15179,7 @@
               <a:rPr lang="en-US" sz="1500" dirty="0">
                 <a:latin typeface="Cambria" panose="02040503050406030204" pitchFamily="18" charset="0"/>
               </a:rPr>
-              <a:t>Provides </a:t>
-            </a:r>
-            <a:r>
-              <a:rPr lang="en-US" sz="1500" dirty="0">
-                <a:latin typeface="Cambria" panose="02040503050406030204" pitchFamily="18" charset="0"/>
-              </a:rPr>
-              <a:t>access to the business </a:t>
-            </a:r>
-            <a:r>
-              <a:rPr lang="en-US" sz="1500" dirty="0">
-                <a:latin typeface="Cambria" panose="02040503050406030204" pitchFamily="18" charset="0"/>
-              </a:rPr>
-              <a:t>logic</a:t>
+              <a:t>Provides access to the business logic</a:t>
             </a:r>
           </a:p>
           <a:p>
@@ -15229,19 +15197,7 @@
               <a:rPr lang="en-US" sz="1500" dirty="0">
                 <a:latin typeface="Cambria" panose="02040503050406030204" pitchFamily="18" charset="0"/>
               </a:rPr>
-              <a:t>Provide </a:t>
-            </a:r>
-            <a:r>
-              <a:rPr lang="en-US" sz="1500" dirty="0">
-                <a:latin typeface="Cambria" panose="02040503050406030204" pitchFamily="18" charset="0"/>
-              </a:rPr>
-              <a:t>lightweight APIs to be used directly by mobile application </a:t>
-            </a:r>
-            <a:r>
-              <a:rPr lang="en-US" sz="1500" dirty="0">
-                <a:latin typeface="Cambria" panose="02040503050406030204" pitchFamily="18" charset="0"/>
-              </a:rPr>
-              <a:t>clients</a:t>
+              <a:t>Provide lightweight APIs to be used directly by mobile application clients</a:t>
             </a:r>
           </a:p>
           <a:p>
@@ -15259,49 +15215,7 @@
               <a:rPr lang="en-US" sz="1500" dirty="0">
                 <a:latin typeface="Cambria" panose="02040503050406030204" pitchFamily="18" charset="0"/>
               </a:rPr>
-              <a:t>Web application </a:t>
-            </a:r>
-            <a:r>
-              <a:rPr lang="en-US" sz="1500" dirty="0">
-                <a:latin typeface="Cambria" panose="02040503050406030204" pitchFamily="18" charset="0"/>
-              </a:rPr>
-              <a:t>clients </a:t>
-            </a:r>
-            <a:r>
-              <a:rPr lang="en-US" sz="1500" dirty="0">
-                <a:latin typeface="Cambria" panose="02040503050406030204" pitchFamily="18" charset="0"/>
-              </a:rPr>
-              <a:t>will </a:t>
-            </a:r>
-            <a:r>
-              <a:rPr lang="en-US" sz="1500" dirty="0">
-                <a:latin typeface="Cambria" panose="02040503050406030204" pitchFamily="18" charset="0"/>
-              </a:rPr>
-              <a:t>access </a:t>
-            </a:r>
-            <a:r>
-              <a:rPr lang="en-US" sz="1500" dirty="0">
-                <a:latin typeface="Cambria" panose="02040503050406030204" pitchFamily="18" charset="0"/>
-              </a:rPr>
-              <a:t>this component </a:t>
-            </a:r>
-            <a:r>
-              <a:rPr lang="en-US" sz="1500" dirty="0">
-                <a:latin typeface="Cambria" panose="02040503050406030204" pitchFamily="18" charset="0"/>
-              </a:rPr>
-              <a:t>indirectly</a:t>
-            </a:r>
-            <a:r>
-              <a:rPr lang="en-US" sz="1500" dirty="0">
-                <a:latin typeface="Cambria" panose="02040503050406030204" pitchFamily="18" charset="0"/>
-              </a:rPr>
-              <a:t>, through the Web Server</a:t>
-            </a:r>
-            <a:r>
-              <a:rPr lang="en-US" sz="1500" dirty="0">
-                <a:latin typeface="Cambria" panose="02040503050406030204" pitchFamily="18" charset="0"/>
-              </a:rPr>
-              <a:t>.</a:t>
+              <a:t>Web application clients will access this component indirectly, through the Web Server.</a:t>
             </a:r>
             <a:endParaRPr lang="it-IT" sz="1500" dirty="0">
               <a:latin typeface="Cambria" panose="02040503050406030204" pitchFamily="18" charset="0"/>
@@ -15346,19 +15260,7 @@
               <a:rPr lang="en-US" sz="1500" dirty="0">
                 <a:latin typeface="Cambria" panose="02040503050406030204" pitchFamily="18" charset="0"/>
               </a:rPr>
-              <a:t>Specific </a:t>
-            </a:r>
-            <a:r>
-              <a:rPr lang="en-US" sz="1500" dirty="0">
-                <a:latin typeface="Cambria" panose="02040503050406030204" pitchFamily="18" charset="0"/>
-              </a:rPr>
-              <a:t>interface for </a:t>
-            </a:r>
-            <a:r>
-              <a:rPr lang="en-US" sz="1500" dirty="0">
-                <a:latin typeface="Cambria" panose="02040503050406030204" pitchFamily="18" charset="0"/>
-              </a:rPr>
-              <a:t>Administrators</a:t>
+              <a:t>Specific interface for Administrators</a:t>
             </a:r>
           </a:p>
           <a:p>
@@ -15376,13 +15278,7 @@
               <a:rPr lang="en-US" sz="1500" dirty="0">
                 <a:latin typeface="Cambria" panose="02040503050406030204" pitchFamily="18" charset="0"/>
               </a:rPr>
-              <a:t>Allows </a:t>
-            </a:r>
-            <a:r>
-              <a:rPr lang="en-US" sz="1500" dirty="0">
-                <a:latin typeface="Cambria" panose="02040503050406030204" pitchFamily="18" charset="0"/>
-              </a:rPr>
-              <a:t>Admins to access to their exclusive functions dialoguing directly with the business logic </a:t>
+              <a:t>Allows Admins to access to their exclusive functions dialoguing directly with the business logic </a:t>
             </a:r>
             <a:endParaRPr lang="it-IT" sz="1500" dirty="0">
               <a:latin typeface="Cambria" panose="02040503050406030204" pitchFamily="18" charset="0"/>
@@ -16031,25 +15927,7 @@
               <a:rPr lang="en-US" sz="1500" dirty="0">
                 <a:latin typeface="Cambria" panose="02040503050406030204" pitchFamily="18" charset="0"/>
               </a:rPr>
-              <a:t>Contains </a:t>
-            </a:r>
-            <a:r>
-              <a:rPr lang="en-US" sz="1500" dirty="0">
-                <a:latin typeface="Cambria" panose="02040503050406030204" pitchFamily="18" charset="0"/>
-              </a:rPr>
-              <a:t>all the data that </a:t>
-            </a:r>
-            <a:r>
-              <a:rPr lang="en-US" sz="1500" dirty="0">
-                <a:latin typeface="Cambria" panose="02040503050406030204" pitchFamily="18" charset="0"/>
-              </a:rPr>
-              <a:t>MyTaxiService needs </a:t>
-            </a:r>
-            <a:r>
-              <a:rPr lang="en-US" sz="1500" dirty="0">
-                <a:latin typeface="Cambria" panose="02040503050406030204" pitchFamily="18" charset="0"/>
-              </a:rPr>
-              <a:t>to store</a:t>
+              <a:t>Contains all the data that MyTaxiService needs to store</a:t>
             </a:r>
             <a:endParaRPr lang="it-IT" sz="1500" dirty="0">
               <a:latin typeface="Cambria" panose="02040503050406030204" pitchFamily="18" charset="0"/>
@@ -16379,13 +16257,7 @@
               <a:rPr lang="en-US" sz="1350" dirty="0">
                 <a:latin typeface="Cambria" panose="02040503050406030204" pitchFamily="18" charset="0"/>
               </a:rPr>
-              <a:t>The </a:t>
-            </a:r>
-            <a:r>
-              <a:rPr lang="en-US" sz="1350" dirty="0">
-                <a:latin typeface="Cambria" panose="02040503050406030204" pitchFamily="18" charset="0"/>
-              </a:rPr>
-              <a:t>core of MTS’s application logic is </a:t>
+              <a:t>The core of MTS’s application logic is </a:t>
             </a:r>
             <a:r>
               <a:rPr lang="en-US" sz="1350" b="1" dirty="0">
@@ -16444,9 +16316,6 @@
               </a:rPr>
               <a:t>Generates</a:t>
             </a:r>
-            <a:endParaRPr lang="en-US" sz="1350" dirty="0">
-              <a:latin typeface="Cambria" panose="02040503050406030204" pitchFamily="18" charset="0"/>
-            </a:endParaRPr>
           </a:p>
         </p:txBody>
       </p:sp>
@@ -16505,9 +16374,6 @@
               </a:rPr>
               <a:t>)</a:t>
             </a:r>
-            <a:endParaRPr lang="en-US" sz="1350" dirty="0">
-              <a:latin typeface="Cambria" panose="02040503050406030204" pitchFamily="18" charset="0"/>
-            </a:endParaRPr>
           </a:p>
         </p:txBody>
       </p:sp>
@@ -16553,9 +16419,6 @@
               </a:rPr>
               <a:t>Event</a:t>
             </a:r>
-            <a:endParaRPr lang="en-US" sz="1350" dirty="0">
-              <a:latin typeface="Cambria" panose="02040503050406030204" pitchFamily="18" charset="0"/>
-            </a:endParaRPr>
           </a:p>
         </p:txBody>
       </p:sp>
@@ -16688,7 +16551,13 @@
               <a:rPr lang="en-US" sz="4000" b="1" dirty="0" smtClean="0">
                 <a:latin typeface="Cambria" panose="02040503050406030204" pitchFamily="18" charset="0"/>
               </a:rPr>
-              <a:t>Event-based system</a:t>
+              <a:t>Event-based </a:t>
+            </a:r>
+            <a:r>
+              <a:rPr lang="en-US" sz="4000" b="1" dirty="0" smtClean="0">
+                <a:latin typeface="Cambria" panose="02040503050406030204" pitchFamily="18" charset="0"/>
+              </a:rPr>
+              <a:t>architecture</a:t>
             </a:r>
             <a:endParaRPr lang="en-US" sz="4000" dirty="0"/>
           </a:p>
@@ -17216,25 +17085,7 @@
               <a:rPr lang="en-US" sz="1350" dirty="0">
                 <a:latin typeface="Cambria" panose="02040503050406030204" pitchFamily="18" charset="0"/>
               </a:rPr>
-              <a:t>When a taxi driver is associated to </a:t>
-            </a:r>
-            <a:r>
-              <a:rPr lang="en-US" sz="1350" dirty="0">
-                <a:latin typeface="Cambria" panose="02040503050406030204" pitchFamily="18" charset="0"/>
-              </a:rPr>
-              <a:t>a ride</a:t>
-            </a:r>
-            <a:r>
-              <a:rPr lang="en-US" sz="1350" dirty="0">
-                <a:latin typeface="Cambria" panose="02040503050406030204" pitchFamily="18" charset="0"/>
-              </a:rPr>
-              <a:t>, he will be subscribed to the same topic </a:t>
-            </a:r>
-            <a:r>
-              <a:rPr lang="en-US" sz="1350" dirty="0">
-                <a:latin typeface="Cambria" panose="02040503050406030204" pitchFamily="18" charset="0"/>
-              </a:rPr>
-              <a:t>too</a:t>
+              <a:t>When a taxi driver is associated to a ride, he will be subscribed to the same topic too</a:t>
             </a:r>
           </a:p>
           <a:p>
@@ -17266,9 +17117,6 @@
               </a:rPr>
               <a:t> their topics’ notifications</a:t>
             </a:r>
-            <a:endParaRPr lang="en-US" sz="1350" dirty="0">
-              <a:latin typeface="Cambria" panose="02040503050406030204" pitchFamily="18" charset="0"/>
-            </a:endParaRPr>
           </a:p>
         </p:txBody>
       </p:sp>
@@ -17302,55 +17150,31 @@
               <a:rPr lang="en-US" sz="1350" dirty="0">
                 <a:latin typeface="Cambria" panose="02040503050406030204" pitchFamily="18" charset="0"/>
               </a:rPr>
-              <a:t>An </a:t>
+              <a:t>An intermediary component that performs the </a:t>
+            </a:r>
+            <a:r>
+              <a:rPr lang="en-US" sz="1350" b="1" dirty="0">
+                <a:latin typeface="Cambria" panose="02040503050406030204" pitchFamily="18" charset="0"/>
+              </a:rPr>
+              <a:t>queue management </a:t>
             </a:r>
             <a:r>
               <a:rPr lang="en-US" sz="1350" dirty="0">
                 <a:latin typeface="Cambria" panose="02040503050406030204" pitchFamily="18" charset="0"/>
               </a:rPr>
-              <a:t>intermediary component </a:t>
+              <a:t>and the </a:t>
+            </a:r>
+            <a:r>
+              <a:rPr lang="en-US" sz="1350" b="1" dirty="0">
+                <a:latin typeface="Cambria" panose="02040503050406030204" pitchFamily="18" charset="0"/>
+              </a:rPr>
+              <a:t>filtering</a:t>
             </a:r>
             <a:r>
               <a:rPr lang="en-US" sz="1350" dirty="0">
                 <a:latin typeface="Cambria" panose="02040503050406030204" pitchFamily="18" charset="0"/>
               </a:rPr>
-              <a:t>that performs </a:t>
-            </a:r>
-            <a:r>
-              <a:rPr lang="en-US" sz="1350" dirty="0">
-                <a:latin typeface="Cambria" panose="02040503050406030204" pitchFamily="18" charset="0"/>
-              </a:rPr>
-              <a:t>the </a:t>
-            </a:r>
-            <a:r>
-              <a:rPr lang="en-US" sz="1350" b="1" dirty="0">
-                <a:latin typeface="Cambria" panose="02040503050406030204" pitchFamily="18" charset="0"/>
-              </a:rPr>
-              <a:t>queue management </a:t>
-            </a:r>
-            <a:r>
-              <a:rPr lang="en-US" sz="1350" dirty="0">
-                <a:latin typeface="Cambria" panose="02040503050406030204" pitchFamily="18" charset="0"/>
-              </a:rPr>
-              <a:t>and the </a:t>
-            </a:r>
-            <a:r>
-              <a:rPr lang="en-US" sz="1350" b="1" dirty="0">
-                <a:latin typeface="Cambria" panose="02040503050406030204" pitchFamily="18" charset="0"/>
-              </a:rPr>
-              <a:t>filtering</a:t>
-            </a:r>
-            <a:r>
-              <a:rPr lang="en-US" sz="1350" dirty="0">
-                <a:latin typeface="Cambria" panose="02040503050406030204" pitchFamily="18" charset="0"/>
-              </a:rPr>
-              <a:t> of the </a:t>
-            </a:r>
-            <a:r>
-              <a:rPr lang="en-US" sz="1350" dirty="0">
-                <a:latin typeface="Cambria" panose="02040503050406030204" pitchFamily="18" charset="0"/>
-              </a:rPr>
-              <a:t>messages</a:t>
+              <a:t> of the messages</a:t>
             </a:r>
           </a:p>
           <a:p>
@@ -17380,17 +17204,8 @@
               <a:rPr lang="en-US" sz="1350" dirty="0">
                 <a:latin typeface="Cambria" panose="02040503050406030204" pitchFamily="18" charset="0"/>
               </a:rPr>
-              <a:t>, so that taxi drivers and customers related to the same topic won’t receive necessary the same notification or </a:t>
-            </a:r>
-            <a:r>
-              <a:rPr lang="en-US" sz="1350" dirty="0">
-                <a:latin typeface="Cambria" panose="02040503050406030204" pitchFamily="18" charset="0"/>
-              </a:rPr>
-              <a:t>message</a:t>
-            </a:r>
-            <a:endParaRPr lang="en-US" sz="1350" dirty="0">
-              <a:latin typeface="Cambria" panose="02040503050406030204" pitchFamily="18" charset="0"/>
-            </a:endParaRPr>
+              <a:t>, so that taxi drivers and customers related to the same topic won’t receive necessary the same notification or message</a:t>
+            </a:r>
           </a:p>
         </p:txBody>
       </p:sp>

--- a/OtherStuff/DD final presentation 16_9.pptx
+++ b/OtherStuff/DD final presentation 16_9.pptx
@@ -319,7 +319,7 @@
           <a:p>
             <a:fld id="{8CA51A76-FB94-4D77-AD27-C72DA743A03F}" type="datetimeFigureOut">
               <a:rPr lang="it-IT" smtClean="0"/>
-              <a:t>07/12/2015</a:t>
+              <a:t>08/12/2015</a:t>
             </a:fld>
             <a:endParaRPr lang="it-IT"/>
           </a:p>
@@ -484,7 +484,7 @@
           <a:p>
             <a:fld id="{8CA51A76-FB94-4D77-AD27-C72DA743A03F}" type="datetimeFigureOut">
               <a:rPr lang="it-IT" smtClean="0"/>
-              <a:t>07/12/2015</a:t>
+              <a:t>08/12/2015</a:t>
             </a:fld>
             <a:endParaRPr lang="it-IT"/>
           </a:p>
@@ -659,7 +659,7 @@
           <a:p>
             <a:fld id="{8CA51A76-FB94-4D77-AD27-C72DA743A03F}" type="datetimeFigureOut">
               <a:rPr lang="it-IT" smtClean="0"/>
-              <a:t>07/12/2015</a:t>
+              <a:t>08/12/2015</a:t>
             </a:fld>
             <a:endParaRPr lang="it-IT"/>
           </a:p>
@@ -824,7 +824,7 @@
           <a:p>
             <a:fld id="{8CA51A76-FB94-4D77-AD27-C72DA743A03F}" type="datetimeFigureOut">
               <a:rPr lang="it-IT" smtClean="0"/>
-              <a:t>07/12/2015</a:t>
+              <a:t>08/12/2015</a:t>
             </a:fld>
             <a:endParaRPr lang="it-IT"/>
           </a:p>
@@ -1066,7 +1066,7 @@
           <a:p>
             <a:fld id="{8CA51A76-FB94-4D77-AD27-C72DA743A03F}" type="datetimeFigureOut">
               <a:rPr lang="it-IT" smtClean="0"/>
-              <a:t>07/12/2015</a:t>
+              <a:t>08/12/2015</a:t>
             </a:fld>
             <a:endParaRPr lang="it-IT"/>
           </a:p>
@@ -1330,7 +1330,7 @@
           <a:p>
             <a:fld id="{8CA51A76-FB94-4D77-AD27-C72DA743A03F}" type="datetimeFigureOut">
               <a:rPr lang="it-IT" smtClean="0"/>
-              <a:t>07/12/2015</a:t>
+              <a:t>08/12/2015</a:t>
             </a:fld>
             <a:endParaRPr lang="it-IT"/>
           </a:p>
@@ -1708,7 +1708,7 @@
           <a:p>
             <a:fld id="{8CA51A76-FB94-4D77-AD27-C72DA743A03F}" type="datetimeFigureOut">
               <a:rPr lang="it-IT" smtClean="0"/>
-              <a:t>07/12/2015</a:t>
+              <a:t>08/12/2015</a:t>
             </a:fld>
             <a:endParaRPr lang="it-IT"/>
           </a:p>
@@ -1858,7 +1858,7 @@
           <a:p>
             <a:fld id="{8CA51A76-FB94-4D77-AD27-C72DA743A03F}" type="datetimeFigureOut">
               <a:rPr lang="it-IT" smtClean="0"/>
-              <a:t>07/12/2015</a:t>
+              <a:t>08/12/2015</a:t>
             </a:fld>
             <a:endParaRPr lang="it-IT"/>
           </a:p>
@@ -1948,7 +1948,7 @@
           <a:p>
             <a:fld id="{8CA51A76-FB94-4D77-AD27-C72DA743A03F}" type="datetimeFigureOut">
               <a:rPr lang="it-IT" smtClean="0"/>
-              <a:t>07/12/2015</a:t>
+              <a:t>08/12/2015</a:t>
             </a:fld>
             <a:endParaRPr lang="it-IT"/>
           </a:p>
@@ -2209,7 +2209,7 @@
           <a:p>
             <a:fld id="{8CA51A76-FB94-4D77-AD27-C72DA743A03F}" type="datetimeFigureOut">
               <a:rPr lang="it-IT" smtClean="0"/>
-              <a:t>07/12/2015</a:t>
+              <a:t>08/12/2015</a:t>
             </a:fld>
             <a:endParaRPr lang="it-IT"/>
           </a:p>
@@ -2497,7 +2497,7 @@
           <a:p>
             <a:fld id="{8CA51A76-FB94-4D77-AD27-C72DA743A03F}" type="datetimeFigureOut">
               <a:rPr lang="it-IT" smtClean="0"/>
-              <a:t>07/12/2015</a:t>
+              <a:t>08/12/2015</a:t>
             </a:fld>
             <a:endParaRPr lang="it-IT"/>
           </a:p>
@@ -3268,7 +3268,7 @@
           <a:p>
             <a:fld id="{8CA51A76-FB94-4D77-AD27-C72DA743A03F}" type="datetimeFigureOut">
               <a:rPr lang="it-IT" smtClean="0"/>
-              <a:t>07/12/2015</a:t>
+              <a:t>08/12/2015</a:t>
             </a:fld>
             <a:endParaRPr lang="it-IT"/>
           </a:p>
@@ -16336,15 +16336,15 @@
         </p:spPr>
         <p:style>
           <a:lnRef idx="2">
-            <a:schemeClr val="accent5">
+            <a:schemeClr val="accent2">
               <a:shade val="50000"/>
             </a:schemeClr>
           </a:lnRef>
           <a:fillRef idx="1">
-            <a:schemeClr val="accent5"/>
+            <a:schemeClr val="accent2"/>
           </a:fillRef>
           <a:effectRef idx="0">
-            <a:schemeClr val="accent5"/>
+            <a:schemeClr val="accent2"/>
           </a:effectRef>
           <a:fontRef idx="minor">
             <a:schemeClr val="lt1"/>
@@ -16391,6 +16391,14 @@
           <a:prstGeom prst="star12">
             <a:avLst/>
           </a:prstGeom>
+          <a:solidFill>
+            <a:srgbClr val="DA5D00"/>
+          </a:solidFill>
+          <a:ln>
+            <a:solidFill>
+              <a:srgbClr val="DA5D00"/>
+            </a:solidFill>
+          </a:ln>
         </p:spPr>
         <p:style>
           <a:lnRef idx="2">
@@ -16551,13 +16559,7 @@
               <a:rPr lang="en-US" sz="4000" b="1" dirty="0" smtClean="0">
                 <a:latin typeface="Cambria" panose="02040503050406030204" pitchFamily="18" charset="0"/>
               </a:rPr>
-              <a:t>Event-based </a:t>
-            </a:r>
-            <a:r>
-              <a:rPr lang="en-US" sz="4000" b="1" dirty="0" smtClean="0">
-                <a:latin typeface="Cambria" panose="02040503050406030204" pitchFamily="18" charset="0"/>
-              </a:rPr>
-              <a:t>architecture</a:t>
+              <a:t>Event-based architecture</a:t>
             </a:r>
             <a:endParaRPr lang="en-US" sz="4000" dirty="0"/>
           </a:p>
@@ -17035,11 +17037,14 @@
           <a:p>
             <a:pPr algn="ctr"/>
             <a:r>
-              <a:rPr lang="en-US" sz="1350" dirty="0">
-                <a:latin typeface="Cambria" panose="02040503050406030204" pitchFamily="18" charset="0"/>
-              </a:rPr>
-              <a:t>MESSAGE BROKER</a:t>
-            </a:r>
+              <a:rPr lang="en-US" sz="1350" dirty="0" smtClean="0">
+                <a:latin typeface="Cambria" panose="02040503050406030204" pitchFamily="18" charset="0"/>
+              </a:rPr>
+              <a:t>BROKER</a:t>
+            </a:r>
+            <a:endParaRPr lang="en-US" sz="1350" dirty="0">
+              <a:latin typeface="Cambria" panose="02040503050406030204" pitchFamily="18" charset="0"/>
+            </a:endParaRPr>
           </a:p>
         </p:txBody>
       </p:sp>

--- a/OtherStuff/DD final presentation 16_9.pptx
+++ b/OtherStuff/DD final presentation 16_9.pptx
@@ -29,6 +29,7 @@
     <p:sldId id="258" r:id="rId23"/>
     <p:sldId id="256" r:id="rId24"/>
     <p:sldId id="257" r:id="rId25"/>
+    <p:sldId id="280" r:id="rId26"/>
   </p:sldIdLst>
   <p:sldSz cx="9144000" cy="5143500" type="screen16x9"/>
   <p:notesSz cx="6858000" cy="9144000"/>
@@ -13924,6 +13925,312 @@
 </p:sld>
 </file>
 
+<file path=ppt/slides/slide25.xml><?xml version="1.0" encoding="utf-8"?>
+<p:sld xmlns:a="http://schemas.openxmlformats.org/drawingml/2006/main" xmlns:r="http://schemas.openxmlformats.org/officeDocument/2006/relationships" xmlns:p="http://schemas.openxmlformats.org/presentationml/2006/main">
+  <p:cSld>
+    <p:spTree>
+      <p:nvGrpSpPr>
+        <p:cNvPr id="1" name=""/>
+        <p:cNvGrpSpPr/>
+        <p:nvPr/>
+      </p:nvGrpSpPr>
+      <p:grpSpPr>
+        <a:xfrm>
+          <a:off x="0" y="0"/>
+          <a:ext cx="0" cy="0"/>
+          <a:chOff x="0" y="0"/>
+          <a:chExt cx="0" cy="0"/>
+        </a:xfrm>
+      </p:grpSpPr>
+      <p:sp>
+        <p:nvSpPr>
+          <p:cNvPr id="2" name="Titolo 1"/>
+          <p:cNvSpPr>
+            <a:spLocks noGrp="1"/>
+          </p:cNvSpPr>
+          <p:nvPr>
+            <p:ph type="title"/>
+          </p:nvPr>
+        </p:nvSpPr>
+        <p:spPr>
+          <a:xfrm>
+            <a:off x="395536" y="1131590"/>
+            <a:ext cx="8229600" cy="857250"/>
+          </a:xfrm>
+        </p:spPr>
+        <p:txBody>
+          <a:bodyPr>
+            <a:normAutofit fontScale="90000"/>
+          </a:bodyPr>
+          <a:lstStyle/>
+          <a:p>
+            <a:pPr algn="ctr"/>
+            <a:r>
+              <a:rPr lang="en-US" b="1" dirty="0" smtClean="0">
+                <a:latin typeface="Cambria" panose="02040503050406030204" pitchFamily="18" charset="0"/>
+              </a:rPr>
+              <a:t>Thank you for your attention!</a:t>
+            </a:r>
+            <a:endParaRPr lang="en-US" b="1" dirty="0">
+              <a:latin typeface="Cambria" panose="02040503050406030204" pitchFamily="18" charset="0"/>
+            </a:endParaRPr>
+          </a:p>
+        </p:txBody>
+      </p:sp>
+      <p:sp>
+        <p:nvSpPr>
+          <p:cNvPr id="4" name="Titolo 1"/>
+          <p:cNvSpPr txBox="1">
+            <a:spLocks/>
+          </p:cNvSpPr>
+          <p:nvPr/>
+        </p:nvSpPr>
+        <p:spPr>
+          <a:xfrm>
+            <a:off x="467544" y="2499742"/>
+            <a:ext cx="8229600" cy="857250"/>
+          </a:xfrm>
+          <a:prstGeom prst="rect">
+            <a:avLst/>
+          </a:prstGeom>
+        </p:spPr>
+        <p:txBody>
+          <a:bodyPr vert="horz" lIns="0" rIns="0" bIns="0" anchor="b">
+            <a:normAutofit fontScale="97500"/>
+          </a:bodyPr>
+          <a:lstStyle>
+            <a:lvl1pPr algn="l" rtl="0" eaLnBrk="1" latinLnBrk="0" hangingPunct="1">
+              <a:spcBef>
+                <a:spcPct val="0"/>
+              </a:spcBef>
+              <a:buNone/>
+              <a:defRPr kumimoji="0" sz="5000" b="0" kern="1200">
+                <a:ln>
+                  <a:noFill/>
+                </a:ln>
+                <a:solidFill>
+                  <a:schemeClr val="tx2"/>
+                </a:solidFill>
+                <a:effectLst/>
+                <a:latin typeface="+mj-lt"/>
+                <a:ea typeface="+mj-ea"/>
+                <a:cs typeface="+mj-cs"/>
+              </a:defRPr>
+            </a:lvl1pPr>
+          </a:lstStyle>
+          <a:p>
+            <a:pPr algn="ctr"/>
+            <a:r>
+              <a:rPr lang="en-US" b="1" dirty="0" smtClean="0">
+                <a:latin typeface="Cambria" panose="02040503050406030204" pitchFamily="18" charset="0"/>
+              </a:rPr>
+              <a:t>Questions?</a:t>
+            </a:r>
+            <a:endParaRPr lang="en-US" b="1" dirty="0">
+              <a:latin typeface="Cambria" panose="02040503050406030204" pitchFamily="18" charset="0"/>
+            </a:endParaRPr>
+          </a:p>
+        </p:txBody>
+      </p:sp>
+    </p:spTree>
+    <p:extLst>
+      <p:ext uri="{BB962C8B-B14F-4D97-AF65-F5344CB8AC3E}">
+        <p14:creationId xmlns:p14="http://schemas.microsoft.com/office/powerpoint/2010/main" val="3356196798"/>
+      </p:ext>
+    </p:extLst>
+  </p:cSld>
+  <p:clrMapOvr>
+    <a:masterClrMapping/>
+  </p:clrMapOvr>
+  <p:timing>
+    <p:tnLst>
+      <p:par>
+        <p:cTn id="1" dur="indefinite" restart="never" nodeType="tmRoot">
+          <p:childTnLst>
+            <p:seq concurrent="1" nextAc="seek">
+              <p:cTn id="2" dur="indefinite" nodeType="mainSeq">
+                <p:childTnLst>
+                  <p:par>
+                    <p:cTn id="3" fill="hold">
+                      <p:stCondLst>
+                        <p:cond delay="indefinite"/>
+                      </p:stCondLst>
+                      <p:childTnLst>
+                        <p:par>
+                          <p:cTn id="4" fill="hold">
+                            <p:stCondLst>
+                              <p:cond delay="0"/>
+                            </p:stCondLst>
+                            <p:childTnLst>
+                              <p:par>
+                                <p:cTn id="5" presetID="10" presetClass="entr" presetSubtype="0" fill="hold" grpId="0" nodeType="clickEffect">
+                                  <p:stCondLst>
+                                    <p:cond delay="0"/>
+                                  </p:stCondLst>
+                                  <p:childTnLst>
+                                    <p:set>
+                                      <p:cBhvr>
+                                        <p:cTn id="6" dur="1" fill="hold">
+                                          <p:stCondLst>
+                                            <p:cond delay="0"/>
+                                          </p:stCondLst>
+                                        </p:cTn>
+                                        <p:tgtEl>
+                                          <p:spTgt spid="2"/>
+                                        </p:tgtEl>
+                                        <p:attrNameLst>
+                                          <p:attrName>style.visibility</p:attrName>
+                                        </p:attrNameLst>
+                                      </p:cBhvr>
+                                      <p:to>
+                                        <p:strVal val="visible"/>
+                                      </p:to>
+                                    </p:set>
+                                    <p:animEffect transition="in" filter="fade">
+                                      <p:cBhvr>
+                                        <p:cTn id="7" dur="500"/>
+                                        <p:tgtEl>
+                                          <p:spTgt spid="2"/>
+                                        </p:tgtEl>
+                                      </p:cBhvr>
+                                    </p:animEffect>
+                                  </p:childTnLst>
+                                </p:cTn>
+                              </p:par>
+                            </p:childTnLst>
+                          </p:cTn>
+                        </p:par>
+                      </p:childTnLst>
+                    </p:cTn>
+                  </p:par>
+                  <p:par>
+                    <p:cTn id="8" fill="hold">
+                      <p:stCondLst>
+                        <p:cond delay="indefinite"/>
+                      </p:stCondLst>
+                      <p:childTnLst>
+                        <p:par>
+                          <p:cTn id="9" fill="hold">
+                            <p:stCondLst>
+                              <p:cond delay="0"/>
+                            </p:stCondLst>
+                            <p:childTnLst>
+                              <p:par>
+                                <p:cTn id="10" presetID="42" presetClass="entr" presetSubtype="0" fill="hold" grpId="0" nodeType="clickEffect">
+                                  <p:stCondLst>
+                                    <p:cond delay="0"/>
+                                  </p:stCondLst>
+                                  <p:childTnLst>
+                                    <p:set>
+                                      <p:cBhvr>
+                                        <p:cTn id="11" dur="1" fill="hold">
+                                          <p:stCondLst>
+                                            <p:cond delay="0"/>
+                                          </p:stCondLst>
+                                        </p:cTn>
+                                        <p:tgtEl>
+                                          <p:spTgt spid="4"/>
+                                        </p:tgtEl>
+                                        <p:attrNameLst>
+                                          <p:attrName>style.visibility</p:attrName>
+                                        </p:attrNameLst>
+                                      </p:cBhvr>
+                                      <p:to>
+                                        <p:strVal val="visible"/>
+                                      </p:to>
+                                    </p:set>
+                                    <p:animEffect transition="in" filter="fade">
+                                      <p:cBhvr>
+                                        <p:cTn id="12" dur="1000"/>
+                                        <p:tgtEl>
+                                          <p:spTgt spid="4"/>
+                                        </p:tgtEl>
+                                      </p:cBhvr>
+                                    </p:animEffect>
+                                    <p:anim calcmode="lin" valueType="num">
+                                      <p:cBhvr>
+                                        <p:cTn id="13" dur="1000" fill="hold"/>
+                                        <p:tgtEl>
+                                          <p:spTgt spid="4"/>
+                                        </p:tgtEl>
+                                        <p:attrNameLst>
+                                          <p:attrName>ppt_x</p:attrName>
+                                        </p:attrNameLst>
+                                      </p:cBhvr>
+                                      <p:tavLst>
+                                        <p:tav tm="0">
+                                          <p:val>
+                                            <p:strVal val="#ppt_x"/>
+                                          </p:val>
+                                        </p:tav>
+                                        <p:tav tm="100000">
+                                          <p:val>
+                                            <p:strVal val="#ppt_x"/>
+                                          </p:val>
+                                        </p:tav>
+                                      </p:tavLst>
+                                    </p:anim>
+                                    <p:anim calcmode="lin" valueType="num">
+                                      <p:cBhvr>
+                                        <p:cTn id="14" dur="1000" fill="hold"/>
+                                        <p:tgtEl>
+                                          <p:spTgt spid="4"/>
+                                        </p:tgtEl>
+                                        <p:attrNameLst>
+                                          <p:attrName>ppt_y</p:attrName>
+                                        </p:attrNameLst>
+                                      </p:cBhvr>
+                                      <p:tavLst>
+                                        <p:tav tm="0">
+                                          <p:val>
+                                            <p:strVal val="#ppt_y+.1"/>
+                                          </p:val>
+                                        </p:tav>
+                                        <p:tav tm="100000">
+                                          <p:val>
+                                            <p:strVal val="#ppt_y"/>
+                                          </p:val>
+                                        </p:tav>
+                                      </p:tavLst>
+                                    </p:anim>
+                                  </p:childTnLst>
+                                </p:cTn>
+                              </p:par>
+                            </p:childTnLst>
+                          </p:cTn>
+                        </p:par>
+                      </p:childTnLst>
+                    </p:cTn>
+                  </p:par>
+                </p:childTnLst>
+              </p:cTn>
+              <p:prevCondLst>
+                <p:cond evt="onPrev" delay="0">
+                  <p:tgtEl>
+                    <p:sldTgt/>
+                  </p:tgtEl>
+                </p:cond>
+              </p:prevCondLst>
+              <p:nextCondLst>
+                <p:cond evt="onNext" delay="0">
+                  <p:tgtEl>
+                    <p:sldTgt/>
+                  </p:tgtEl>
+                </p:cond>
+              </p:nextCondLst>
+            </p:seq>
+          </p:childTnLst>
+        </p:cTn>
+      </p:par>
+    </p:tnLst>
+    <p:bldLst>
+      <p:bldP spid="2" grpId="0"/>
+      <p:bldP spid="4" grpId="0"/>
+    </p:bldLst>
+  </p:timing>
+</p:sld>
+</file>
+
 <file path=ppt/slides/slide3.xml><?xml version="1.0" encoding="utf-8"?>
 <p:sld xmlns:a="http://schemas.openxmlformats.org/drawingml/2006/main" xmlns:r="http://schemas.openxmlformats.org/officeDocument/2006/relationships" xmlns:p="http://schemas.openxmlformats.org/presentationml/2006/main">
   <p:cSld>
